--- a/Mastering Supabase Session7.pptx
+++ b/Mastering Supabase Session7.pptx
@@ -13,57 +13,53 @@
     <p:sldId id="407" r:id="rId6"/>
     <p:sldId id="258" r:id="rId7"/>
     <p:sldId id="260" r:id="rId8"/>
-    <p:sldId id="505" r:id="rId9"/>
-    <p:sldId id="306" r:id="rId10"/>
-    <p:sldId id="261" r:id="rId11"/>
-    <p:sldId id="506" r:id="rId12"/>
-    <p:sldId id="351" r:id="rId13"/>
-    <p:sldId id="352" r:id="rId14"/>
-    <p:sldId id="459" r:id="rId15"/>
-    <p:sldId id="480" r:id="rId16"/>
-    <p:sldId id="481" r:id="rId17"/>
+    <p:sldId id="306" r:id="rId9"/>
+    <p:sldId id="261" r:id="rId10"/>
+    <p:sldId id="477" r:id="rId11"/>
+    <p:sldId id="351" r:id="rId12"/>
+    <p:sldId id="352" r:id="rId13"/>
+    <p:sldId id="459" r:id="rId14"/>
+    <p:sldId id="498" r:id="rId15"/>
+    <p:sldId id="460" r:id="rId16"/>
+    <p:sldId id="443" r:id="rId17"/>
     <p:sldId id="361" r:id="rId18"/>
     <p:sldId id="362" r:id="rId19"/>
-    <p:sldId id="507" r:id="rId20"/>
-    <p:sldId id="508" r:id="rId21"/>
-    <p:sldId id="445" r:id="rId22"/>
-    <p:sldId id="484" r:id="rId23"/>
-    <p:sldId id="485" r:id="rId24"/>
-    <p:sldId id="509" r:id="rId25"/>
-    <p:sldId id="461" r:id="rId26"/>
-    <p:sldId id="394" r:id="rId27"/>
-    <p:sldId id="395" r:id="rId28"/>
-    <p:sldId id="402" r:id="rId29"/>
-    <p:sldId id="486" r:id="rId30"/>
-    <p:sldId id="398" r:id="rId31"/>
-    <p:sldId id="399" r:id="rId32"/>
-    <p:sldId id="400" r:id="rId33"/>
-    <p:sldId id="401" r:id="rId34"/>
+    <p:sldId id="445" r:id="rId20"/>
+    <p:sldId id="461" r:id="rId21"/>
+    <p:sldId id="446" r:id="rId22"/>
+    <p:sldId id="462" r:id="rId23"/>
+    <p:sldId id="394" r:id="rId24"/>
+    <p:sldId id="395" r:id="rId25"/>
+    <p:sldId id="402" r:id="rId26"/>
+    <p:sldId id="398" r:id="rId27"/>
+    <p:sldId id="399" r:id="rId28"/>
+    <p:sldId id="400" r:id="rId29"/>
+    <p:sldId id="401" r:id="rId30"/>
   </p:sldIdLst>
   <p:sldSz cx="12192000" cy="6858000"/>
   <p:notesSz cx="6858000" cy="9144000"/>
   <p:embeddedFontLst>
     <p:embeddedFont>
       <p:font typeface="Calistoga"/>
-      <p:regular r:id="rId38"/>
+      <p:regular r:id="rId34"/>
     </p:embeddedFont>
     <p:embeddedFont>
       <p:font typeface="Antic Slab"/>
+      <p:regular r:id="rId35"/>
+    </p:embeddedFont>
+    <p:embeddedFont>
+      <p:font typeface="Poppins" panose="00000400000000000000"/>
+      <p:regular r:id="rId36"/>
+      <p:italic r:id="rId37"/>
+      <p:boldItalic r:id="rId38"/>
+    </p:embeddedFont>
+    <p:embeddedFont>
+      <p:font typeface="Homemade Apple" panose="02000000000000000000"/>
       <p:regular r:id="rId39"/>
     </p:embeddedFont>
     <p:embeddedFont>
-      <p:font typeface="Poppins" panose="00000400000000000000"/>
+      <p:font typeface="Aldhabi" panose="01000000000000000000" charset="0"/>
       <p:regular r:id="rId40"/>
-      <p:italic r:id="rId41"/>
-      <p:boldItalic r:id="rId42"/>
-    </p:embeddedFont>
-    <p:embeddedFont>
-      <p:font typeface="Homemade Apple" panose="02000000000000000000"/>
-      <p:regular r:id="rId43"/>
-    </p:embeddedFont>
-    <p:embeddedFont>
-      <p:font typeface="Aldhabi" panose="01000000000000000000" charset="0"/>
-      <p:regular r:id="rId44"/>
     </p:embeddedFont>
   </p:embeddedFontLst>
   <p:defaultTextStyle>
@@ -1051,7 +1047,7 @@
   <p:cSld>
     <p:spTree>
       <p:nvGrpSpPr>
-        <p:cNvPr id="157" name="Shape 157"/>
+        <p:cNvPr id="172" name="Shape 172"/>
         <p:cNvGrpSpPr/>
         <p:nvPr/>
       </p:nvGrpSpPr>
@@ -1065,7 +1061,7 @@
       </p:grpSpPr>
       <p:sp>
         <p:nvSpPr>
-          <p:cNvPr id="158" name="Google Shape;158;ga073618e60_0_31:notes"/>
+          <p:cNvPr id="173" name="Google Shape;173;g111c3728c19_0_108:notes"/>
           <p:cNvSpPr/>
           <p:nvPr>
             <p:ph type="sldImg" idx="2"/>
@@ -1104,7 +1100,7 @@
       </p:sp>
       <p:sp>
         <p:nvSpPr>
-          <p:cNvPr id="159" name="Google Shape;159;ga073618e60_0_31:notes"/>
+          <p:cNvPr id="174" name="Google Shape;174;g111c3728c19_0_108:notes"/>
           <p:cNvSpPr txBox="1"/>
           <p:nvPr>
             <p:ph type="body" idx="1"/>
@@ -1150,7 +1146,7 @@
   <p:cSld>
     <p:spTree>
       <p:nvGrpSpPr>
-        <p:cNvPr id="172" name="Shape 172"/>
+        <p:cNvPr id="182" name="Shape 182"/>
         <p:cNvGrpSpPr/>
         <p:nvPr/>
       </p:nvGrpSpPr>
@@ -1164,7 +1160,7 @@
       </p:grpSpPr>
       <p:sp>
         <p:nvSpPr>
-          <p:cNvPr id="173" name="Google Shape;173;g111c3728c19_0_108:notes"/>
+          <p:cNvPr id="183" name="Google Shape;183;ga073618e60_0_80:notes"/>
           <p:cNvSpPr/>
           <p:nvPr>
             <p:ph type="sldImg" idx="2"/>
@@ -1203,7 +1199,7 @@
       </p:sp>
       <p:sp>
         <p:nvSpPr>
-          <p:cNvPr id="174" name="Google Shape;174;g111c3728c19_0_108:notes"/>
+          <p:cNvPr id="184" name="Google Shape;184;ga073618e60_0_80:notes"/>
           <p:cNvSpPr txBox="1"/>
           <p:nvPr>
             <p:ph type="body" idx="1"/>
@@ -1249,7 +1245,7 @@
   <p:cSld>
     <p:spTree>
       <p:nvGrpSpPr>
-        <p:cNvPr id="182" name="Shape 182"/>
+        <p:cNvPr id="269" name="Shape 269"/>
         <p:cNvGrpSpPr/>
         <p:nvPr/>
       </p:nvGrpSpPr>
@@ -1263,7 +1259,7 @@
       </p:grpSpPr>
       <p:sp>
         <p:nvSpPr>
-          <p:cNvPr id="183" name="Google Shape;183;ga073618e60_0_80:notes"/>
+          <p:cNvPr id="270" name="Google Shape;270;ga073618e60_0_92:notes"/>
           <p:cNvSpPr/>
           <p:nvPr>
             <p:ph type="sldImg" idx="2"/>
@@ -1302,7 +1298,7 @@
       </p:sp>
       <p:sp>
         <p:nvSpPr>
-          <p:cNvPr id="184" name="Google Shape;184;ga073618e60_0_80:notes"/>
+          <p:cNvPr id="271" name="Google Shape;271;ga073618e60_0_92:notes"/>
           <p:cNvSpPr txBox="1"/>
           <p:nvPr>
             <p:ph type="body" idx="1"/>
@@ -1344,105 +1340,6 @@
 </file>
 
 <file path=ppt/notesSlides/notesSlide15.xml><?xml version="1.0" encoding="utf-8"?>
-<p:notes xmlns:a="http://schemas.openxmlformats.org/drawingml/2006/main" xmlns:r="http://schemas.openxmlformats.org/officeDocument/2006/relationships" xmlns:p="http://schemas.openxmlformats.org/presentationml/2006/main" showMasterPhAnim="0" showMasterSp="0">
-  <p:cSld>
-    <p:spTree>
-      <p:nvGrpSpPr>
-        <p:cNvPr id="269" name="Shape 269"/>
-        <p:cNvGrpSpPr/>
-        <p:nvPr/>
-      </p:nvGrpSpPr>
-      <p:grpSpPr>
-        <a:xfrm>
-          <a:off x="0" y="0"/>
-          <a:ext cx="0" cy="0"/>
-          <a:chOff x="0" y="0"/>
-          <a:chExt cx="0" cy="0"/>
-        </a:xfrm>
-      </p:grpSpPr>
-      <p:sp>
-        <p:nvSpPr>
-          <p:cNvPr id="270" name="Google Shape;270;ga073618e60_0_92:notes"/>
-          <p:cNvSpPr/>
-          <p:nvPr>
-            <p:ph type="sldImg" idx="2"/>
-          </p:nvPr>
-        </p:nvSpPr>
-        <p:spPr>
-          <a:xfrm>
-            <a:off x="381300" y="685800"/>
-            <a:ext cx="6096000" cy="3429000"/>
-          </a:xfrm>
-          <a:custGeom>
-            <a:avLst/>
-            <a:gdLst/>
-            <a:ahLst/>
-            <a:cxnLst/>
-            <a:rect l="l" t="t" r="r" b="b"/>
-            <a:pathLst>
-              <a:path w="120000" h="120000" extrusionOk="0">
-                <a:moveTo>
-                  <a:pt x="0" y="0"/>
-                </a:moveTo>
-                <a:lnTo>
-                  <a:pt x="120000" y="0"/>
-                </a:lnTo>
-                <a:lnTo>
-                  <a:pt x="120000" y="120000"/>
-                </a:lnTo>
-                <a:lnTo>
-                  <a:pt x="0" y="120000"/>
-                </a:lnTo>
-                <a:close/>
-              </a:path>
-            </a:pathLst>
-          </a:custGeom>
-        </p:spPr>
-      </p:sp>
-      <p:sp>
-        <p:nvSpPr>
-          <p:cNvPr id="271" name="Google Shape;271;ga073618e60_0_92:notes"/>
-          <p:cNvSpPr txBox="1"/>
-          <p:nvPr>
-            <p:ph type="body" idx="1"/>
-          </p:nvPr>
-        </p:nvSpPr>
-        <p:spPr>
-          <a:xfrm>
-            <a:off x="685800" y="4343400"/>
-            <a:ext cx="5486400" cy="4114800"/>
-          </a:xfrm>
-          <a:prstGeom prst="rect">
-            <a:avLst/>
-          </a:prstGeom>
-        </p:spPr>
-        <p:txBody>
-          <a:bodyPr spcFirstLastPara="1" wrap="square" lIns="91425" tIns="91425" rIns="91425" bIns="91425" anchor="t" anchorCtr="0">
-            <a:noAutofit/>
-          </a:bodyPr>
-          <a:lstStyle/>
-          <a:p>
-            <a:pPr marL="0" lvl="0" indent="0" algn="l" rtl="0">
-              <a:spcBef>
-                <a:spcPts val="0"/>
-              </a:spcBef>
-              <a:spcAft>
-                <a:spcPts val="0"/>
-              </a:spcAft>
-              <a:buNone/>
-            </a:pPr>
-          </a:p>
-        </p:txBody>
-      </p:sp>
-    </p:spTree>
-  </p:cSld>
-  <p:clrMapOvr>
-    <a:masterClrMapping/>
-  </p:clrMapOvr>
-</p:notes>
-</file>
-
-<file path=ppt/notesSlides/notesSlide16.xml><?xml version="1.0" encoding="utf-8"?>
 <p:notes xmlns:a="http://schemas.openxmlformats.org/drawingml/2006/main" xmlns:r="http://schemas.openxmlformats.org/officeDocument/2006/relationships" xmlns:p="http://schemas.openxmlformats.org/presentationml/2006/main" showMasterPhAnim="0" showMasterSp="0">
   <p:cSld>
     <p:spTree>
@@ -2239,7 +2136,7 @@
   <p:cSld>
     <p:spTree>
       <p:nvGrpSpPr>
-        <p:cNvPr id="165" name="Shape 165"/>
+        <p:cNvPr id="157" name="Shape 157"/>
         <p:cNvGrpSpPr/>
         <p:nvPr/>
       </p:nvGrpSpPr>
@@ -2253,7 +2150,7 @@
       </p:grpSpPr>
       <p:sp>
         <p:nvSpPr>
-          <p:cNvPr id="166" name="Google Shape;166;ga073618e60_0_63:notes"/>
+          <p:cNvPr id="158" name="Google Shape;158;ga073618e60_0_31:notes"/>
           <p:cNvSpPr/>
           <p:nvPr>
             <p:ph type="sldImg" idx="2"/>
@@ -2292,7 +2189,7 @@
       </p:sp>
       <p:sp>
         <p:nvSpPr>
-          <p:cNvPr id="167" name="Google Shape;167;ga073618e60_0_63:notes"/>
+          <p:cNvPr id="159" name="Google Shape;159;ga073618e60_0_31:notes"/>
           <p:cNvSpPr txBox="1"/>
           <p:nvPr>
             <p:ph type="body" idx="1"/>
@@ -15625,11 +15522,9 @@
             </a:r>
             <a:r>
               <a:rPr lang="en-GB"/>
-              <a:t>: </a:t>
+              <a:t>: Regex in JavaScript</a:t>
             </a:r>
-            <a:r>
-              <a:t>Storage with Supabase</a:t>
-            </a:r>
+            <a:endParaRPr lang="en-GB"/>
           </a:p>
         </p:txBody>
       </p:sp>
@@ -15714,28 +15609,25 @@
   <p:cSld>
     <p:spTree>
       <p:nvGrpSpPr>
-        <p:cNvPr id="160" name="Shape 160"/>
+        <p:cNvPr id="1" name=""/>
         <p:cNvGrpSpPr/>
         <p:nvPr/>
       </p:nvGrpSpPr>
-      <p:grpSpPr>
-        <a:xfrm>
-          <a:off x="0" y="0"/>
-          <a:ext cx="0" cy="0"/>
-          <a:chOff x="0" y="0"/>
-          <a:chExt cx="0" cy="0"/>
-        </a:xfrm>
-      </p:grpSpPr>
+      <p:grpSpPr/>
       <p:sp>
         <p:nvSpPr>
-          <p:cNvPr id="161" name="Google Shape;161;p21"/>
+          <p:cNvPr id="136" name="Google Shape;136;p19"/>
           <p:cNvSpPr/>
-          <p:nvPr/>
+          <p:nvPr>
+            <p:custDataLst>
+              <p:tags r:id="rId1"/>
+            </p:custDataLst>
+          </p:nvPr>
         </p:nvSpPr>
         <p:spPr>
           <a:xfrm>
-            <a:off x="5136038" y="1103532"/>
-            <a:ext cx="2010900" cy="2010600"/>
+            <a:off x="1110585" y="1307323"/>
+            <a:ext cx="1262400" cy="1262400"/>
           </a:xfrm>
           <a:prstGeom prst="ellipse">
             <a:avLst/>
@@ -15743,10 +15635,10 @@
           <a:gradFill>
             <a:gsLst>
               <a:gs pos="0">
-                <a:schemeClr val="accent1"/>
+                <a:srgbClr val="30C088"/>
               </a:gs>
               <a:gs pos="52999">
-                <a:schemeClr val="accent1"/>
+                <a:srgbClr val="3FCF99"/>
               </a:gs>
               <a:gs pos="100000">
                 <a:srgbClr val="FFFFFF">
@@ -15767,7 +15659,6 @@
           <a:bodyPr spcFirstLastPara="1" wrap="square" lIns="91425" tIns="91425" rIns="91425" bIns="91425" anchor="ctr" anchorCtr="0">
             <a:noAutofit/>
           </a:bodyPr>
-          <a:lstStyle/>
           <a:p>
             <a:pPr marL="0" marR="0" lvl="0" indent="0" algn="ctr" rtl="0">
               <a:lnSpc>
@@ -15792,263 +15683,81 @@
       </p:sp>
       <p:sp>
         <p:nvSpPr>
-          <p:cNvPr id="117" name="Google Shape;117;p17"/>
+          <p:cNvPr id="2" name="Title 1"/>
           <p:cNvSpPr/>
           <p:nvPr>
-            <p:custDataLst>
-              <p:tags r:id="rId1"/>
-            </p:custDataLst>
+            <p:ph type="title"/>
           </p:nvPr>
         </p:nvSpPr>
-        <p:spPr>
-          <a:xfrm>
-            <a:off x="5135880" y="1103630"/>
-            <a:ext cx="2010410" cy="2010410"/>
-          </a:xfrm>
-          <a:prstGeom prst="ellipse">
-            <a:avLst/>
-          </a:prstGeom>
-          <a:gradFill>
-            <a:gsLst>
-              <a:gs pos="0">
-                <a:schemeClr val="accent1">
-                  <a:lumMod val="5000"/>
-                  <a:lumOff val="95000"/>
-                </a:schemeClr>
-              </a:gs>
-              <a:gs pos="74000">
-                <a:srgbClr val="3FCF99"/>
-              </a:gs>
-              <a:gs pos="83000">
-                <a:schemeClr val="accent1">
-                  <a:lumMod val="45000"/>
-                  <a:lumOff val="55000"/>
-                </a:schemeClr>
-              </a:gs>
-              <a:gs pos="100000">
-                <a:schemeClr val="accent1">
-                  <a:lumMod val="30000"/>
-                  <a:lumOff val="70000"/>
-                </a:schemeClr>
-              </a:gs>
-            </a:gsLst>
-            <a:path path="circle">
-              <a:fillToRect r="100000" b="100000"/>
-            </a:path>
-            <a:tileRect l="-100000" t="-100000"/>
-          </a:gradFill>
-          <a:ln>
-            <a:noFill/>
-          </a:ln>
-        </p:spPr>
+        <p:spPr/>
         <p:txBody>
-          <a:bodyPr spcFirstLastPara="1" wrap="square" lIns="91425" tIns="91425" rIns="91425" bIns="91425" anchor="ctr" anchorCtr="0">
-            <a:noAutofit/>
-          </a:bodyPr>
+          <a:bodyPr/>
           <a:p>
-            <a:pPr marL="0" lvl="0" indent="0" algn="ctr" rtl="0">
-              <a:spcBef>
-                <a:spcPts val="0"/>
-              </a:spcBef>
-              <a:spcAft>
-                <a:spcPts val="0"/>
-              </a:spcAft>
-              <a:buNone/>
-            </a:pPr>
-            <a:endParaRPr>
-              <a:effectLst>
-                <a:glow rad="228600">
-                  <a:schemeClr val="accent4">
-                    <a:satMod val="175000"/>
-                    <a:alpha val="40000"/>
-                  </a:schemeClr>
-                </a:glow>
-              </a:effectLst>
-              <a:latin typeface="Antic Slab"/>
-              <a:ea typeface="Antic Slab"/>
-              <a:cs typeface="Antic Slab"/>
-              <a:sym typeface="Antic Slab"/>
+            <a:r>
+              <a:rPr lang="en-US" altLang="en-GB">
+                <a:sym typeface="+mn-ea"/>
+              </a:rPr>
+              <a:t>Anchors</a:t>
+            </a:r>
+            <a:endParaRPr lang="en-US" altLang="en-GB">
+              <a:sym typeface="+mn-ea"/>
             </a:endParaRPr>
           </a:p>
         </p:txBody>
       </p:sp>
       <p:sp>
         <p:nvSpPr>
-          <p:cNvPr id="162" name="Google Shape;162;p21"/>
-          <p:cNvSpPr txBox="1"/>
+          <p:cNvPr id="3" name="Text Placeholder 2"/>
+          <p:cNvSpPr/>
           <p:nvPr>
             <p:ph type="body" idx="1"/>
           </p:nvPr>
         </p:nvSpPr>
         <p:spPr>
           <a:xfrm>
-            <a:off x="589400" y="4909215"/>
-            <a:ext cx="11104200" cy="763500"/>
-          </a:xfrm>
-          <a:prstGeom prst="rect">
-            <a:avLst/>
-          </a:prstGeom>
+            <a:off x="1401445" y="2789555"/>
+            <a:ext cx="8284210" cy="3265805"/>
+          </a:xfrm>
         </p:spPr>
         <p:txBody>
-          <a:bodyPr spcFirstLastPara="1" wrap="square" lIns="121900" tIns="121900" rIns="121900" bIns="121900" anchor="t" anchorCtr="0">
-            <a:noAutofit/>
-          </a:bodyPr>
-          <a:lstStyle/>
+          <a:bodyPr/>
           <a:p>
-            <a:pPr marL="0" lvl="0" indent="0" algn="ctr" rtl="0">
-              <a:spcBef>
-                <a:spcPts val="0"/>
-              </a:spcBef>
-              <a:spcAft>
-                <a:spcPts val="0"/>
-              </a:spcAft>
-              <a:buNone/>
+            <a:pPr>
+              <a:lnSpc>
+                <a:spcPct val="150000"/>
+              </a:lnSpc>
             </a:pPr>
             <a:r>
-              <a:rPr lang="en-US" altLang="en-GB"/>
-              <a:t>Let’s Start with </a:t>
+              <a:rPr lang="en-US"/>
+              <a:t>^ - Start of string.</a:t>
             </a:r>
-            <a:endParaRPr lang="en-US" altLang="en-GB"/>
+            <a:endParaRPr lang="en-US"/>
           </a:p>
           <a:p>
-            <a:pPr marL="0" lvl="0" indent="0" algn="ctr" rtl="0">
-              <a:spcBef>
-                <a:spcPts val="0"/>
-              </a:spcBef>
-              <a:spcAft>
-                <a:spcPts val="0"/>
-              </a:spcAft>
-              <a:buNone/>
+            <a:pPr>
+              <a:lnSpc>
+                <a:spcPct val="150000"/>
+              </a:lnSpc>
             </a:pPr>
             <a:r>
-              <a:rPr lang="en-US" altLang="en-GB"/>
-              <a:t>Creating a Bucket</a:t>
+              <a:rPr lang="en-US"/>
+              <a:t>$ - End of string.</a:t>
             </a:r>
-            <a:endParaRPr lang="en-US" altLang="en-GB"/>
+            <a:endParaRPr lang="en-US"/>
+          </a:p>
+          <a:p>
+            <a:pPr>
+              <a:lnSpc>
+                <a:spcPct val="150000"/>
+              </a:lnSpc>
+            </a:pPr>
+            <a:endParaRPr lang="en-US"/>
           </a:p>
         </p:txBody>
       </p:sp>
       <p:sp>
         <p:nvSpPr>
-          <p:cNvPr id="163" name="Google Shape;163;p21"/>
-          <p:cNvSpPr txBox="1"/>
-          <p:nvPr>
-            <p:ph type="title"/>
-          </p:nvPr>
-        </p:nvSpPr>
-        <p:spPr>
-          <a:xfrm>
-            <a:off x="589400" y="3373900"/>
-            <a:ext cx="11104200" cy="1275600"/>
-          </a:xfrm>
-          <a:prstGeom prst="rect">
-            <a:avLst/>
-          </a:prstGeom>
-        </p:spPr>
-        <p:txBody>
-          <a:bodyPr spcFirstLastPara="1" wrap="square" lIns="121900" tIns="121900" rIns="121900" bIns="121900" anchor="ctr" anchorCtr="0">
-            <a:noAutofit/>
-          </a:bodyPr>
-          <a:lstStyle/>
-          <a:p>
-            <a:pPr marL="0" lvl="0" indent="0" algn="ctr" rtl="0">
-              <a:spcBef>
-                <a:spcPts val="0"/>
-              </a:spcBef>
-              <a:spcAft>
-                <a:spcPts val="0"/>
-              </a:spcAft>
-              <a:buNone/>
-            </a:pPr>
-            <a:r>
-              <a:rPr lang="en-US" altLang="en-GB">
-                <a:sym typeface="+mn-ea"/>
-              </a:rPr>
-              <a:t>Uploading Files to Supabase Storage</a:t>
-            </a:r>
-            <a:r>
-              <a:rPr lang="en-GB"/>
-              <a:t>.</a:t>
-            </a:r>
-            <a:endParaRPr lang="en-GB"/>
-          </a:p>
-        </p:txBody>
-      </p:sp>
-      <p:sp>
-        <p:nvSpPr>
-          <p:cNvPr id="164" name="Google Shape;164;p21"/>
-          <p:cNvSpPr/>
-          <p:nvPr/>
-        </p:nvSpPr>
-        <p:spPr>
-          <a:xfrm>
-            <a:off x="5045062" y="1393201"/>
-            <a:ext cx="1751077" cy="1275639"/>
-          </a:xfrm>
-          <a:prstGeom prst="rect">
-            <a:avLst/>
-          </a:prstGeom>
-        </p:spPr>
-        <p:txBody>
-          <a:bodyPr>
-            <a:prstTxWarp prst="textPlain">
-              <a:avLst/>
-            </a:prstTxWarp>
-          </a:bodyPr>
-          <a:lstStyle/>
-          <a:p>
-            <a:pPr lvl="0" algn="ctr"/>
-            <a:r>
-              <a:rPr b="1" i="0">
-                <a:ln w="28575" cap="flat" cmpd="sng">
-                  <a:solidFill>
-                    <a:schemeClr val="dk1"/>
-                  </a:solidFill>
-                  <a:prstDash val="solid"/>
-                  <a:round/>
-                  <a:headEnd type="none" w="sm" len="sm"/>
-                  <a:tailEnd type="none" w="sm" len="sm"/>
-                </a:ln>
-                <a:noFill/>
-                <a:latin typeface="Calistoga"/>
-              </a:rPr>
-              <a:t>0</a:t>
-            </a:r>
-            <a:r>
-              <a:rPr lang="en-US" b="1" i="0">
-                <a:ln w="28575" cap="flat" cmpd="sng">
-                  <a:solidFill>
-                    <a:schemeClr val="dk1"/>
-                  </a:solidFill>
-                  <a:prstDash val="solid"/>
-                  <a:round/>
-                  <a:headEnd type="none" w="sm" len="sm"/>
-                  <a:tailEnd type="none" w="sm" len="sm"/>
-                </a:ln>
-                <a:noFill/>
-                <a:latin typeface="Calistoga"/>
-              </a:rPr>
-              <a:t>2</a:t>
-            </a:r>
-            <a:endParaRPr lang="en-US" b="1" i="0">
-              <a:ln w="28575" cap="flat" cmpd="sng">
-                <a:solidFill>
-                  <a:schemeClr val="dk1"/>
-                </a:solidFill>
-                <a:prstDash val="solid"/>
-                <a:round/>
-                <a:headEnd type="none" w="sm" len="sm"/>
-                <a:tailEnd type="none" w="sm" len="sm"/>
-              </a:ln>
-              <a:noFill/>
-              <a:latin typeface="Calistoga"/>
-            </a:endParaRPr>
-          </a:p>
-        </p:txBody>
-      </p:sp>
-      <p:sp>
-        <p:nvSpPr>
-          <p:cNvPr id="3" name="Text Box 2"/>
+          <p:cNvPr id="5" name="Text Box 4"/>
           <p:cNvSpPr txBox="1"/>
           <p:nvPr>
             <p:custDataLst>
@@ -16088,6 +15797,73 @@
             <a:r>
               <a:rPr lang="en-US"/>
               <a:t>joeshwoa.george@gmail.com</a:t>
+            </a:r>
+            <a:endParaRPr lang="en-US"/>
+          </a:p>
+        </p:txBody>
+      </p:sp>
+      <p:sp>
+        <p:nvSpPr>
+          <p:cNvPr id="6" name="Rounded Rectangle 5"/>
+          <p:cNvSpPr/>
+          <p:nvPr/>
+        </p:nvSpPr>
+        <p:spPr>
+          <a:xfrm>
+            <a:off x="2372995" y="4008120"/>
+            <a:ext cx="6908800" cy="1360805"/>
+          </a:xfrm>
+          <a:prstGeom prst="roundRect">
+            <a:avLst/>
+          </a:prstGeom>
+          <a:solidFill>
+            <a:schemeClr val="bg2"/>
+          </a:solidFill>
+          <a:ln>
+            <a:solidFill>
+              <a:schemeClr val="bg2"/>
+            </a:solidFill>
+          </a:ln>
+        </p:spPr>
+        <p:style>
+          <a:lnRef idx="2">
+            <a:schemeClr val="accent1">
+              <a:lumMod val="75000"/>
+            </a:schemeClr>
+          </a:lnRef>
+          <a:fillRef idx="1">
+            <a:schemeClr val="accent1"/>
+          </a:fillRef>
+          <a:effectRef idx="0">
+            <a:srgbClr val="FFFFFF"/>
+          </a:effectRef>
+          <a:fontRef idx="minor">
+            <a:schemeClr val="lt1"/>
+          </a:fontRef>
+        </p:style>
+        <p:txBody>
+          <a:bodyPr rtlCol="0" anchor="ctr"/>
+          <a:p>
+            <a:pPr algn="l"/>
+            <a:r>
+              <a:rPr lang="en-US"/>
+              <a:t>let regex = /^hello$/;</a:t>
+            </a:r>
+            <a:endParaRPr lang="en-US"/>
+          </a:p>
+          <a:p>
+            <a:pPr algn="l"/>
+            <a:r>
+              <a:rPr lang="en-US"/>
+              <a:t>let str = "hello";</a:t>
+            </a:r>
+            <a:endParaRPr lang="en-US"/>
+          </a:p>
+          <a:p>
+            <a:pPr algn="l"/>
+            <a:r>
+              <a:rPr lang="en-US"/>
+              <a:t>console.log(regex.test(str));  // true</a:t>
             </a:r>
             <a:endParaRPr lang="en-US"/>
           </a:p>
@@ -16194,7 +15970,7 @@
               <a:rPr lang="en-US" altLang="en-GB">
                 <a:sym typeface="+mn-ea"/>
               </a:rPr>
-              <a:t>Creating a Bucket</a:t>
+              <a:t>Character Classes</a:t>
             </a:r>
             <a:endParaRPr lang="en-US" altLang="en-GB">
               <a:sym typeface="+mn-ea"/>
@@ -16225,10 +16001,14 @@
               </a:lnSpc>
             </a:pPr>
             <a:r>
-              <a:rPr lang="en-US"/>
-              <a:t>To store files, you first need to create a bucket in Supabase.</a:t>
+              <a:rPr lang="en-US">
+                <a:sym typeface="+mn-ea"/>
+              </a:rPr>
+              <a:t>Character Classes:</a:t>
             </a:r>
-            <a:endParaRPr lang="en-US"/>
+            <a:endParaRPr lang="en-US">
+              <a:sym typeface="+mn-ea"/>
+            </a:endParaRPr>
           </a:p>
           <a:p>
             <a:pPr lvl="1">
@@ -16237,10 +16017,14 @@
               </a:lnSpc>
             </a:pPr>
             <a:r>
-              <a:rPr lang="en-US"/>
-              <a:t>Go to the Storage tab in your Supabase dashboard.</a:t>
+              <a:rPr lang="en-US">
+                <a:sym typeface="+mn-ea"/>
+              </a:rPr>
+              <a:t>. - Matches any character except a newline.</a:t>
             </a:r>
-            <a:endParaRPr lang="en-US"/>
+            <a:endParaRPr lang="en-US">
+              <a:sym typeface="+mn-ea"/>
+            </a:endParaRPr>
           </a:p>
           <a:p>
             <a:pPr lvl="1">
@@ -16249,10 +16033,14 @@
               </a:lnSpc>
             </a:pPr>
             <a:r>
-              <a:rPr lang="en-US"/>
-              <a:t>Click New Bucket to create a new bucket for file storage.</a:t>
+              <a:rPr lang="en-US">
+                <a:sym typeface="+mn-ea"/>
+              </a:rPr>
+              <a:t>\d - Matches any digit (0-9).</a:t>
             </a:r>
-            <a:endParaRPr lang="en-US"/>
+            <a:endParaRPr lang="en-US">
+              <a:sym typeface="+mn-ea"/>
+            </a:endParaRPr>
           </a:p>
           <a:p>
             <a:pPr lvl="1">
@@ -16261,9 +16049,85 @@
               </a:lnSpc>
             </a:pPr>
             <a:r>
-              <a:rPr lang="en-US"/>
-              <a:t>Set the bucket’s permissions (public or private).</a:t>
+              <a:rPr lang="en-US">
+                <a:sym typeface="+mn-ea"/>
+              </a:rPr>
+              <a:t>\D - Matches any non-digit.</a:t>
             </a:r>
+            <a:endParaRPr lang="en-US">
+              <a:sym typeface="+mn-ea"/>
+            </a:endParaRPr>
+          </a:p>
+          <a:p>
+            <a:pPr lvl="1">
+              <a:lnSpc>
+                <a:spcPct val="150000"/>
+              </a:lnSpc>
+            </a:pPr>
+            <a:r>
+              <a:rPr lang="en-US">
+                <a:sym typeface="+mn-ea"/>
+              </a:rPr>
+              <a:t>\w - Matches any word character (a:Z, 0:9 and _).</a:t>
+            </a:r>
+            <a:endParaRPr lang="en-US">
+              <a:sym typeface="+mn-ea"/>
+            </a:endParaRPr>
+          </a:p>
+          <a:p>
+            <a:pPr lvl="1">
+              <a:lnSpc>
+                <a:spcPct val="150000"/>
+              </a:lnSpc>
+            </a:pPr>
+            <a:r>
+              <a:rPr lang="en-US">
+                <a:sym typeface="+mn-ea"/>
+              </a:rPr>
+              <a:t>\W - Matches any non-word character.</a:t>
+            </a:r>
+            <a:endParaRPr lang="en-US">
+              <a:sym typeface="+mn-ea"/>
+            </a:endParaRPr>
+          </a:p>
+          <a:p>
+            <a:pPr lvl="1">
+              <a:lnSpc>
+                <a:spcPct val="150000"/>
+              </a:lnSpc>
+            </a:pPr>
+            <a:r>
+              <a:rPr lang="en-US">
+                <a:sym typeface="+mn-ea"/>
+              </a:rPr>
+              <a:t>\s - Matches any whitespace character.</a:t>
+            </a:r>
+            <a:endParaRPr lang="en-US">
+              <a:sym typeface="+mn-ea"/>
+            </a:endParaRPr>
+          </a:p>
+          <a:p>
+            <a:pPr lvl="1">
+              <a:lnSpc>
+                <a:spcPct val="150000"/>
+              </a:lnSpc>
+            </a:pPr>
+            <a:r>
+              <a:rPr lang="en-US">
+                <a:sym typeface="+mn-ea"/>
+              </a:rPr>
+              <a:t>\S - Matches any non-whitespace character</a:t>
+            </a:r>
+            <a:endParaRPr lang="en-US">
+              <a:sym typeface="+mn-ea"/>
+            </a:endParaRPr>
+          </a:p>
+          <a:p>
+            <a:pPr lvl="1">
+              <a:lnSpc>
+                <a:spcPct val="150000"/>
+              </a:lnSpc>
+            </a:pPr>
             <a:endParaRPr lang="en-US"/>
           </a:p>
         </p:txBody>
@@ -16416,7 +16280,7 @@
               <a:rPr lang="en-US" altLang="en-GB">
                 <a:sym typeface="+mn-ea"/>
               </a:rPr>
-              <a:t>Upload via the Supabase dashboard</a:t>
+              <a:t>Character Classes</a:t>
             </a:r>
             <a:endParaRPr lang="en-US" altLang="en-GB">
               <a:sym typeface="+mn-ea"/>
@@ -16450,14 +16314,14 @@
               <a:rPr lang="en-US">
                 <a:sym typeface="+mn-ea"/>
               </a:rPr>
-              <a:t>After creating a bucket, you can directly upload files using the dashboard interface.</a:t>
+              <a:t>Character Classes:</a:t>
             </a:r>
             <a:endParaRPr lang="en-US">
               <a:sym typeface="+mn-ea"/>
             </a:endParaRPr>
           </a:p>
           <a:p>
-            <a:pPr>
+            <a:pPr lvl="1">
               <a:lnSpc>
                 <a:spcPct val="150000"/>
               </a:lnSpc>
@@ -16466,7 +16330,23 @@
               <a:rPr lang="en-US">
                 <a:sym typeface="+mn-ea"/>
               </a:rPr>
-              <a:t>Select the newly created bucket, click Upload, and choose the files to upload.</a:t>
+              <a:t>\b - Matches any boundry character.</a:t>
+            </a:r>
+            <a:endParaRPr lang="en-US">
+              <a:sym typeface="+mn-ea"/>
+            </a:endParaRPr>
+          </a:p>
+          <a:p>
+            <a:pPr lvl="1">
+              <a:lnSpc>
+                <a:spcPct val="150000"/>
+              </a:lnSpc>
+            </a:pPr>
+            <a:r>
+              <a:rPr lang="en-US">
+                <a:sym typeface="+mn-ea"/>
+              </a:rPr>
+              <a:t>\B - Matches any non-boundry character</a:t>
             </a:r>
             <a:endParaRPr lang="en-US">
               <a:sym typeface="+mn-ea"/>
@@ -16627,14 +16507,12 @@
           <a:bodyPr/>
           <a:p>
             <a:r>
-              <a:rPr lang="en-US" altLang="en-GB">
+              <a:rPr lang="en-US">
                 <a:sym typeface="+mn-ea"/>
               </a:rPr>
-              <a:t>Programmatically Uploading Files Using the Supabase SDK</a:t>
+              <a:t>Quantifiers</a:t>
             </a:r>
-            <a:endParaRPr lang="en-US" altLang="en-GB">
-              <a:sym typeface="+mn-ea"/>
-            </a:endParaRPr>
+            <a:endParaRPr lang="en-US"/>
           </a:p>
         </p:txBody>
       </p:sp>
@@ -16664,328 +16542,7 @@
               <a:rPr lang="en-US">
                 <a:sym typeface="+mn-ea"/>
               </a:rPr>
-              <a:t>Supabase provides SDKs to handle file uploads programmatically. Here’s how you can upload files using JavaScript:</a:t>
-            </a:r>
-            <a:endParaRPr lang="en-US">
-              <a:sym typeface="+mn-ea"/>
-            </a:endParaRPr>
-          </a:p>
-          <a:p>
-            <a:pPr>
-              <a:lnSpc>
-                <a:spcPct val="150000"/>
-              </a:lnSpc>
-            </a:pPr>
-            <a:endParaRPr lang="en-US">
-              <a:sym typeface="+mn-ea"/>
-            </a:endParaRPr>
-          </a:p>
-          <a:p>
-            <a:pPr>
-              <a:lnSpc>
-                <a:spcPct val="150000"/>
-              </a:lnSpc>
-            </a:pPr>
-            <a:endParaRPr lang="en-US">
-              <a:sym typeface="+mn-ea"/>
-            </a:endParaRPr>
-          </a:p>
-          <a:p>
-            <a:pPr>
-              <a:lnSpc>
-                <a:spcPct val="150000"/>
-              </a:lnSpc>
-            </a:pPr>
-            <a:endParaRPr lang="en-US">
-              <a:sym typeface="+mn-ea"/>
-            </a:endParaRPr>
-          </a:p>
-          <a:p>
-            <a:pPr>
-              <a:lnSpc>
-                <a:spcPct val="150000"/>
-              </a:lnSpc>
-            </a:pPr>
-            <a:endParaRPr lang="en-US">
-              <a:sym typeface="+mn-ea"/>
-            </a:endParaRPr>
-          </a:p>
-          <a:p>
-            <a:pPr>
-              <a:lnSpc>
-                <a:spcPct val="150000"/>
-              </a:lnSpc>
-            </a:pPr>
-            <a:r>
-              <a:rPr lang="en-US">
-                <a:sym typeface="+mn-ea"/>
-              </a:rPr>
-              <a:t>This code uploads the file and stores it in the specified bucket (your-bucket-name), creating a public folder if it doesn’t exist.</a:t>
-            </a:r>
-            <a:endParaRPr lang="en-US">
-              <a:sym typeface="+mn-ea"/>
-            </a:endParaRPr>
-          </a:p>
-          <a:p>
-            <a:pPr lvl="1">
-              <a:lnSpc>
-                <a:spcPct val="150000"/>
-              </a:lnSpc>
-            </a:pPr>
-            <a:endParaRPr lang="en-US"/>
-          </a:p>
-        </p:txBody>
-      </p:sp>
-      <p:sp>
-        <p:nvSpPr>
-          <p:cNvPr id="5" name="Text Box 4"/>
-          <p:cNvSpPr txBox="1"/>
-          <p:nvPr>
-            <p:custDataLst>
-              <p:tags r:id="rId2"/>
-            </p:custDataLst>
-          </p:nvPr>
-        </p:nvSpPr>
-        <p:spPr>
-          <a:xfrm rot="5400000">
-            <a:off x="-1236345" y="5244465"/>
-            <a:ext cx="2849880" cy="377190"/>
-          </a:xfrm>
-          <a:prstGeom prst="rect">
-            <a:avLst/>
-          </a:prstGeom>
-        </p:spPr>
-        <p:style>
-          <a:lnRef idx="2">
-            <a:schemeClr val="lt1"/>
-          </a:lnRef>
-          <a:fillRef idx="1">
-            <a:prstClr val="black"/>
-          </a:fillRef>
-          <a:effectRef idx="1">
-            <a:prstClr val="black"/>
-          </a:effectRef>
-          <a:fontRef idx="minor">
-            <a:schemeClr val="lt1"/>
-          </a:fontRef>
-        </p:style>
-        <p:txBody>
-          <a:bodyPr wrap="square" rtlCol="0">
-            <a:noAutofit/>
-          </a:bodyPr>
-          <a:p>
-            <a:pPr algn="ctr"/>
-            <a:r>
-              <a:rPr lang="en-US"/>
-              <a:t>joeshwoa.george@gmail.com</a:t>
-            </a:r>
-            <a:endParaRPr lang="en-US"/>
-          </a:p>
-        </p:txBody>
-      </p:sp>
-      <p:sp>
-        <p:nvSpPr>
-          <p:cNvPr id="6" name="Rounded Rectangle 5"/>
-          <p:cNvSpPr/>
-          <p:nvPr/>
-        </p:nvSpPr>
-        <p:spPr>
-          <a:xfrm>
-            <a:off x="2372995" y="4008120"/>
-            <a:ext cx="6908800" cy="1161415"/>
-          </a:xfrm>
-          <a:prstGeom prst="roundRect">
-            <a:avLst/>
-          </a:prstGeom>
-          <a:solidFill>
-            <a:schemeClr val="bg2"/>
-          </a:solidFill>
-          <a:ln>
-            <a:solidFill>
-              <a:schemeClr val="bg2"/>
-            </a:solidFill>
-          </a:ln>
-        </p:spPr>
-        <p:style>
-          <a:lnRef idx="2">
-            <a:schemeClr val="accent1">
-              <a:lumMod val="75000"/>
-            </a:schemeClr>
-          </a:lnRef>
-          <a:fillRef idx="1">
-            <a:schemeClr val="accent1"/>
-          </a:fillRef>
-          <a:effectRef idx="0">
-            <a:srgbClr val="FFFFFF"/>
-          </a:effectRef>
-          <a:fontRef idx="minor">
-            <a:schemeClr val="lt1"/>
-          </a:fontRef>
-        </p:style>
-        <p:txBody>
-          <a:bodyPr rtlCol="0" anchor="ctr"/>
-          <a:p>
-            <a:pPr algn="l"/>
-            <a:r>
-              <a:rPr lang="en-US"/>
-              <a:t>const { data, error } = await supabase.storage</a:t>
-            </a:r>
-            <a:endParaRPr lang="en-US"/>
-          </a:p>
-          <a:p>
-            <a:pPr algn="l"/>
-            <a:r>
-              <a:rPr lang="en-US"/>
-              <a:t>  .from('your-bucket-name')</a:t>
-            </a:r>
-            <a:endParaRPr lang="en-US"/>
-          </a:p>
-          <a:p>
-            <a:pPr algn="l"/>
-            <a:r>
-              <a:rPr lang="en-US"/>
-              <a:t>  .upload('public/avatar.png', fileInput.files[0]);</a:t>
-            </a:r>
-            <a:endParaRPr lang="en-US"/>
-          </a:p>
-        </p:txBody>
-      </p:sp>
-    </p:spTree>
-  </p:cSld>
-  <p:clrMapOvr>
-    <a:masterClrMapping/>
-  </p:clrMapOvr>
-</p:sld>
-</file>
-
-<file path=ppt/slides/slide14.xml><?xml version="1.0" encoding="utf-8"?>
-<p:sld xmlns:a="http://schemas.openxmlformats.org/drawingml/2006/main" xmlns:r="http://schemas.openxmlformats.org/officeDocument/2006/relationships" xmlns:p="http://schemas.openxmlformats.org/presentationml/2006/main">
-  <p:cSld>
-    <p:spTree>
-      <p:nvGrpSpPr>
-        <p:cNvPr id="1" name=""/>
-        <p:cNvGrpSpPr/>
-        <p:nvPr/>
-      </p:nvGrpSpPr>
-      <p:grpSpPr/>
-      <p:sp>
-        <p:nvSpPr>
-          <p:cNvPr id="136" name="Google Shape;136;p19"/>
-          <p:cNvSpPr/>
-          <p:nvPr>
-            <p:custDataLst>
-              <p:tags r:id="rId1"/>
-            </p:custDataLst>
-          </p:nvPr>
-        </p:nvSpPr>
-        <p:spPr>
-          <a:xfrm>
-            <a:off x="1110585" y="1307323"/>
-            <a:ext cx="1262400" cy="1262400"/>
-          </a:xfrm>
-          <a:prstGeom prst="ellipse">
-            <a:avLst/>
-          </a:prstGeom>
-          <a:gradFill>
-            <a:gsLst>
-              <a:gs pos="0">
-                <a:srgbClr val="30C088"/>
-              </a:gs>
-              <a:gs pos="52999">
-                <a:srgbClr val="3FCF99"/>
-              </a:gs>
-              <a:gs pos="100000">
-                <a:srgbClr val="FFFFFF">
-                  <a:alpha val="1960"/>
-                </a:srgbClr>
-              </a:gs>
-            </a:gsLst>
-            <a:path path="circle">
-              <a:fillToRect l="50000" t="50000" r="50000" b="50000"/>
-            </a:path>
-            <a:tileRect/>
-          </a:gradFill>
-          <a:ln>
-            <a:noFill/>
-          </a:ln>
-        </p:spPr>
-        <p:txBody>
-          <a:bodyPr spcFirstLastPara="1" wrap="square" lIns="91425" tIns="91425" rIns="91425" bIns="91425" anchor="ctr" anchorCtr="0">
-            <a:noAutofit/>
-          </a:bodyPr>
-          <a:p>
-            <a:pPr marL="0" marR="0" lvl="0" indent="0" algn="ctr" rtl="0">
-              <a:lnSpc>
-                <a:spcPct val="100000"/>
-              </a:lnSpc>
-              <a:spcBef>
-                <a:spcPts val="0"/>
-              </a:spcBef>
-              <a:spcAft>
-                <a:spcPts val="0"/>
-              </a:spcAft>
-              <a:buNone/>
-            </a:pPr>
-            <a:endParaRPr>
-              <a:latin typeface="Antic Slab"/>
-              <a:ea typeface="Antic Slab"/>
-              <a:cs typeface="Antic Slab"/>
-              <a:sym typeface="Antic Slab"/>
-            </a:endParaRPr>
-          </a:p>
-        </p:txBody>
-      </p:sp>
-      <p:sp>
-        <p:nvSpPr>
-          <p:cNvPr id="2" name="Title 1"/>
-          <p:cNvSpPr/>
-          <p:nvPr>
-            <p:ph type="title"/>
-          </p:nvPr>
-        </p:nvSpPr>
-        <p:spPr/>
-        <p:txBody>
-          <a:bodyPr/>
-          <a:p>
-            <a:r>
-              <a:rPr lang="en-US" altLang="en-GB">
-                <a:sym typeface="+mn-ea"/>
-              </a:rPr>
-              <a:t>File Path and Naming Conventions</a:t>
-            </a:r>
-            <a:endParaRPr lang="en-US" altLang="en-GB">
-              <a:sym typeface="+mn-ea"/>
-            </a:endParaRPr>
-          </a:p>
-        </p:txBody>
-      </p:sp>
-      <p:sp>
-        <p:nvSpPr>
-          <p:cNvPr id="3" name="Text Placeholder 2"/>
-          <p:cNvSpPr/>
-          <p:nvPr>
-            <p:ph type="body" idx="1"/>
-          </p:nvPr>
-        </p:nvSpPr>
-        <p:spPr>
-          <a:xfrm>
-            <a:off x="1401445" y="2789555"/>
-            <a:ext cx="8284210" cy="3265805"/>
-          </a:xfrm>
-        </p:spPr>
-        <p:txBody>
-          <a:bodyPr/>
-          <a:p>
-            <a:pPr>
-              <a:lnSpc>
-                <a:spcPct val="150000"/>
-              </a:lnSpc>
-            </a:pPr>
-            <a:r>
-              <a:rPr lang="en-US">
-                <a:sym typeface="+mn-ea"/>
-              </a:rPr>
-              <a:t>When uploading files, it’s important to structure your storage logically:</a:t>
+              <a:t>Quantifiers:</a:t>
             </a:r>
             <a:endParaRPr lang="en-US">
               <a:sym typeface="+mn-ea"/>
@@ -17001,7 +16558,7 @@
               <a:rPr lang="en-US">
                 <a:sym typeface="+mn-ea"/>
               </a:rPr>
-              <a:t>Use folders to organize files (/public/, /users/{user_id}/avatars/, etc.).</a:t>
+              <a:t>* - Matches 0 or more occurrences.</a:t>
             </a:r>
             <a:endParaRPr lang="en-US">
               <a:sym typeface="+mn-ea"/>
@@ -17017,7 +16574,71 @@
               <a:rPr lang="en-US">
                 <a:sym typeface="+mn-ea"/>
               </a:rPr>
-              <a:t>Ensure you name files uniquely to avoid overwriting (consider using user IDs or timestamps).</a:t>
+              <a:t>+ - Matches 1 or more occurrences.</a:t>
+            </a:r>
+            <a:endParaRPr lang="en-US">
+              <a:sym typeface="+mn-ea"/>
+            </a:endParaRPr>
+          </a:p>
+          <a:p>
+            <a:pPr lvl="1">
+              <a:lnSpc>
+                <a:spcPct val="150000"/>
+              </a:lnSpc>
+            </a:pPr>
+            <a:r>
+              <a:rPr lang="en-US">
+                <a:sym typeface="+mn-ea"/>
+              </a:rPr>
+              <a:t>? - Matches 0 or 1 occurrence.</a:t>
+            </a:r>
+            <a:endParaRPr lang="en-US">
+              <a:sym typeface="+mn-ea"/>
+            </a:endParaRPr>
+          </a:p>
+          <a:p>
+            <a:pPr lvl="1">
+              <a:lnSpc>
+                <a:spcPct val="150000"/>
+              </a:lnSpc>
+            </a:pPr>
+            <a:r>
+              <a:rPr lang="en-US">
+                <a:sym typeface="+mn-ea"/>
+              </a:rPr>
+              <a:t>{n} - Matches exactly n occurrences.</a:t>
+            </a:r>
+            <a:endParaRPr lang="en-US">
+              <a:sym typeface="+mn-ea"/>
+            </a:endParaRPr>
+          </a:p>
+          <a:p>
+            <a:pPr lvl="1">
+              <a:lnSpc>
+                <a:spcPct val="150000"/>
+              </a:lnSpc>
+            </a:pPr>
+            <a:r>
+              <a:rPr lang="en-US">
+                <a:sym typeface="+mn-ea"/>
+              </a:rPr>
+              <a:t>{n,} - Matches n or more occurrences.</a:t>
+            </a:r>
+            <a:endParaRPr lang="en-US">
+              <a:sym typeface="+mn-ea"/>
+            </a:endParaRPr>
+          </a:p>
+          <a:p>
+            <a:pPr lvl="1">
+              <a:lnSpc>
+                <a:spcPct val="150000"/>
+              </a:lnSpc>
+            </a:pPr>
+            <a:r>
+              <a:rPr lang="en-US">
+                <a:sym typeface="+mn-ea"/>
+              </a:rPr>
+              <a:t>{n,m} - Matches between n and m occurrences.</a:t>
             </a:r>
             <a:endParaRPr lang="en-US">
               <a:sym typeface="+mn-ea"/>
@@ -17088,6 +16709,362 @@
 </p:sld>
 </file>
 
+<file path=ppt/slides/slide14.xml><?xml version="1.0" encoding="utf-8"?>
+<p:sld xmlns:a="http://schemas.openxmlformats.org/drawingml/2006/main" xmlns:r="http://schemas.openxmlformats.org/officeDocument/2006/relationships" xmlns:p="http://schemas.openxmlformats.org/presentationml/2006/main">
+  <p:cSld>
+    <p:spTree>
+      <p:nvGrpSpPr>
+        <p:cNvPr id="1" name=""/>
+        <p:cNvGrpSpPr/>
+        <p:nvPr/>
+      </p:nvGrpSpPr>
+      <p:grpSpPr/>
+      <p:sp>
+        <p:nvSpPr>
+          <p:cNvPr id="136" name="Google Shape;136;p19"/>
+          <p:cNvSpPr/>
+          <p:nvPr>
+            <p:custDataLst>
+              <p:tags r:id="rId1"/>
+            </p:custDataLst>
+          </p:nvPr>
+        </p:nvSpPr>
+        <p:spPr>
+          <a:xfrm>
+            <a:off x="1110585" y="1307323"/>
+            <a:ext cx="1262400" cy="1262400"/>
+          </a:xfrm>
+          <a:prstGeom prst="ellipse">
+            <a:avLst/>
+          </a:prstGeom>
+          <a:gradFill>
+            <a:gsLst>
+              <a:gs pos="0">
+                <a:srgbClr val="30C088"/>
+              </a:gs>
+              <a:gs pos="52999">
+                <a:srgbClr val="3FCF99"/>
+              </a:gs>
+              <a:gs pos="100000">
+                <a:srgbClr val="FFFFFF">
+                  <a:alpha val="1960"/>
+                </a:srgbClr>
+              </a:gs>
+            </a:gsLst>
+            <a:path path="circle">
+              <a:fillToRect l="50000" t="50000" r="50000" b="50000"/>
+            </a:path>
+            <a:tileRect/>
+          </a:gradFill>
+          <a:ln>
+            <a:noFill/>
+          </a:ln>
+        </p:spPr>
+        <p:txBody>
+          <a:bodyPr spcFirstLastPara="1" wrap="square" lIns="91425" tIns="91425" rIns="91425" bIns="91425" anchor="ctr" anchorCtr="0">
+            <a:noAutofit/>
+          </a:bodyPr>
+          <a:p>
+            <a:pPr marL="0" marR="0" lvl="0" indent="0" algn="ctr" rtl="0">
+              <a:lnSpc>
+                <a:spcPct val="100000"/>
+              </a:lnSpc>
+              <a:spcBef>
+                <a:spcPts val="0"/>
+              </a:spcBef>
+              <a:spcAft>
+                <a:spcPts val="0"/>
+              </a:spcAft>
+              <a:buNone/>
+            </a:pPr>
+            <a:endParaRPr>
+              <a:latin typeface="Antic Slab"/>
+              <a:ea typeface="Antic Slab"/>
+              <a:cs typeface="Antic Slab"/>
+              <a:sym typeface="Antic Slab"/>
+            </a:endParaRPr>
+          </a:p>
+        </p:txBody>
+      </p:sp>
+      <p:sp>
+        <p:nvSpPr>
+          <p:cNvPr id="2" name="Title 1"/>
+          <p:cNvSpPr/>
+          <p:nvPr>
+            <p:ph type="title"/>
+          </p:nvPr>
+        </p:nvSpPr>
+        <p:spPr/>
+        <p:txBody>
+          <a:bodyPr/>
+          <a:p>
+            <a:r>
+              <a:rPr lang="en-US" altLang="en-GB">
+                <a:sym typeface="+mn-ea"/>
+              </a:rPr>
+              <a:t>Examples</a:t>
+            </a:r>
+            <a:endParaRPr lang="en-US"/>
+          </a:p>
+        </p:txBody>
+      </p:sp>
+      <p:sp>
+        <p:nvSpPr>
+          <p:cNvPr id="3" name="Text Placeholder 2"/>
+          <p:cNvSpPr/>
+          <p:nvPr>
+            <p:ph type="body" idx="1"/>
+          </p:nvPr>
+        </p:nvSpPr>
+        <p:spPr>
+          <a:xfrm>
+            <a:off x="1401445" y="2789555"/>
+            <a:ext cx="8284210" cy="3265805"/>
+          </a:xfrm>
+        </p:spPr>
+        <p:txBody>
+          <a:bodyPr/>
+          <a:p>
+            <a:pPr>
+              <a:lnSpc>
+                <a:spcPct val="150000"/>
+              </a:lnSpc>
+            </a:pPr>
+            <a:r>
+              <a:rPr lang="en-US">
+                <a:sym typeface="+mn-ea"/>
+              </a:rPr>
+              <a:t>Character Classes </a:t>
+            </a:r>
+            <a:r>
+              <a:rPr lang="en-US" altLang="en-GB">
+                <a:sym typeface="+mn-ea"/>
+              </a:rPr>
+              <a:t>Example</a:t>
+            </a:r>
+            <a:endParaRPr lang="en-US" altLang="en-GB">
+              <a:sym typeface="+mn-ea"/>
+            </a:endParaRPr>
+          </a:p>
+          <a:p>
+            <a:pPr>
+              <a:lnSpc>
+                <a:spcPct val="150000"/>
+              </a:lnSpc>
+            </a:pPr>
+            <a:endParaRPr lang="en-US"/>
+          </a:p>
+          <a:p>
+            <a:pPr>
+              <a:lnSpc>
+                <a:spcPct val="150000"/>
+              </a:lnSpc>
+            </a:pPr>
+            <a:endParaRPr lang="en-US"/>
+          </a:p>
+          <a:p>
+            <a:pPr>
+              <a:lnSpc>
+                <a:spcPct val="150000"/>
+              </a:lnSpc>
+            </a:pPr>
+            <a:endParaRPr lang="en-US"/>
+          </a:p>
+          <a:p>
+            <a:pPr>
+              <a:lnSpc>
+                <a:spcPct val="150000"/>
+              </a:lnSpc>
+            </a:pPr>
+            <a:r>
+              <a:rPr lang="en-US">
+                <a:sym typeface="+mn-ea"/>
+              </a:rPr>
+              <a:t>Quantifiers </a:t>
+            </a:r>
+            <a:r>
+              <a:rPr lang="en-US" altLang="en-GB">
+                <a:sym typeface="+mn-ea"/>
+              </a:rPr>
+              <a:t>Example</a:t>
+            </a:r>
+            <a:endParaRPr lang="en-US"/>
+          </a:p>
+        </p:txBody>
+      </p:sp>
+      <p:sp>
+        <p:nvSpPr>
+          <p:cNvPr id="5" name="Text Box 4"/>
+          <p:cNvSpPr txBox="1"/>
+          <p:nvPr>
+            <p:custDataLst>
+              <p:tags r:id="rId2"/>
+            </p:custDataLst>
+          </p:nvPr>
+        </p:nvSpPr>
+        <p:spPr>
+          <a:xfrm rot="5400000">
+            <a:off x="-1236345" y="5244465"/>
+            <a:ext cx="2849880" cy="377190"/>
+          </a:xfrm>
+          <a:prstGeom prst="rect">
+            <a:avLst/>
+          </a:prstGeom>
+        </p:spPr>
+        <p:style>
+          <a:lnRef idx="2">
+            <a:schemeClr val="lt1"/>
+          </a:lnRef>
+          <a:fillRef idx="1">
+            <a:prstClr val="black"/>
+          </a:fillRef>
+          <a:effectRef idx="1">
+            <a:prstClr val="black"/>
+          </a:effectRef>
+          <a:fontRef idx="minor">
+            <a:schemeClr val="lt1"/>
+          </a:fontRef>
+        </p:style>
+        <p:txBody>
+          <a:bodyPr wrap="square" rtlCol="0">
+            <a:noAutofit/>
+          </a:bodyPr>
+          <a:p>
+            <a:pPr algn="ctr"/>
+            <a:r>
+              <a:rPr lang="en-US"/>
+              <a:t>joeshwoa.george@gmail.com</a:t>
+            </a:r>
+            <a:endParaRPr lang="en-US"/>
+          </a:p>
+        </p:txBody>
+      </p:sp>
+      <p:sp>
+        <p:nvSpPr>
+          <p:cNvPr id="6" name="Rounded Rectangle 5"/>
+          <p:cNvSpPr/>
+          <p:nvPr/>
+        </p:nvSpPr>
+        <p:spPr>
+          <a:xfrm>
+            <a:off x="2372995" y="3429000"/>
+            <a:ext cx="6908800" cy="1086485"/>
+          </a:xfrm>
+          <a:prstGeom prst="roundRect">
+            <a:avLst/>
+          </a:prstGeom>
+          <a:solidFill>
+            <a:schemeClr val="bg2"/>
+          </a:solidFill>
+          <a:ln>
+            <a:solidFill>
+              <a:schemeClr val="bg2"/>
+            </a:solidFill>
+          </a:ln>
+        </p:spPr>
+        <p:style>
+          <a:lnRef idx="2">
+            <a:schemeClr val="accent1">
+              <a:lumMod val="75000"/>
+            </a:schemeClr>
+          </a:lnRef>
+          <a:fillRef idx="1">
+            <a:schemeClr val="accent1"/>
+          </a:fillRef>
+          <a:effectRef idx="0">
+            <a:srgbClr val="FFFFFF"/>
+          </a:effectRef>
+          <a:fontRef idx="minor">
+            <a:schemeClr val="lt1"/>
+          </a:fontRef>
+        </p:style>
+        <p:txBody>
+          <a:bodyPr rtlCol="0" anchor="ctr"/>
+          <a:p>
+            <a:pPr algn="l"/>
+            <a:r>
+              <a:rPr lang="en-US"/>
+              <a:t>let regex = /\d/;  // Any digit</a:t>
+            </a:r>
+            <a:endParaRPr lang="en-US"/>
+          </a:p>
+          <a:p>
+            <a:pPr algn="l"/>
+            <a:r>
+              <a:rPr lang="en-US"/>
+              <a:t>console.log(regex.test("abc123"));  // true</a:t>
+            </a:r>
+            <a:endParaRPr lang="en-US"/>
+          </a:p>
+        </p:txBody>
+      </p:sp>
+      <p:sp>
+        <p:nvSpPr>
+          <p:cNvPr id="4" name="Rounded Rectangle 3"/>
+          <p:cNvSpPr/>
+          <p:nvPr/>
+        </p:nvSpPr>
+        <p:spPr>
+          <a:xfrm>
+            <a:off x="2372995" y="5191760"/>
+            <a:ext cx="6908800" cy="1086485"/>
+          </a:xfrm>
+          <a:prstGeom prst="roundRect">
+            <a:avLst/>
+          </a:prstGeom>
+          <a:solidFill>
+            <a:schemeClr val="bg2"/>
+          </a:solidFill>
+          <a:ln>
+            <a:solidFill>
+              <a:schemeClr val="bg2"/>
+            </a:solidFill>
+          </a:ln>
+        </p:spPr>
+        <p:style>
+          <a:lnRef idx="2">
+            <a:schemeClr val="accent1">
+              <a:lumMod val="75000"/>
+            </a:schemeClr>
+          </a:lnRef>
+          <a:fillRef idx="1">
+            <a:schemeClr val="accent1"/>
+          </a:fillRef>
+          <a:effectRef idx="0">
+            <a:srgbClr val="FFFFFF"/>
+          </a:effectRef>
+          <a:fontRef idx="minor">
+            <a:schemeClr val="lt1"/>
+          </a:fontRef>
+        </p:style>
+        <p:txBody>
+          <a:bodyPr rtlCol="0" anchor="ctr"/>
+          <a:p>
+            <a:pPr algn="l"/>
+            <a:r>
+              <a:rPr lang="en-US"/>
+              <a:t>let regex = /a{2,4}/;</a:t>
+            </a:r>
+            <a:endParaRPr lang="en-US"/>
+          </a:p>
+          <a:p>
+            <a:pPr algn="l"/>
+            <a:r>
+              <a:rPr lang="en-US"/>
+              <a:t>console.log(regex.test("aaa"));  // true</a:t>
+            </a:r>
+            <a:endParaRPr lang="en-US"/>
+          </a:p>
+        </p:txBody>
+      </p:sp>
+    </p:spTree>
+  </p:cSld>
+  <p:clrMapOvr>
+    <a:masterClrMapping/>
+  </p:clrMapOvr>
+</p:sld>
+</file>
+
 <file path=ppt/slides/slide15.xml><?xml version="1.0" encoding="utf-8"?>
 <p:sld xmlns:a="http://schemas.openxmlformats.org/drawingml/2006/main" xmlns:r="http://schemas.openxmlformats.org/officeDocument/2006/relationships" xmlns:p="http://schemas.openxmlformats.org/presentationml/2006/main">
   <p:cSld>
@@ -17283,26 +17260,6 @@
               </a:spcAft>
               <a:buNone/>
             </a:pPr>
-            <a:r>
-              <a:rPr lang="en-US" altLang="en-GB"/>
-              <a:t>Let’s Start with </a:t>
-            </a:r>
-            <a:endParaRPr lang="en-US" altLang="en-GB"/>
-          </a:p>
-          <a:p>
-            <a:pPr marL="0" lvl="0" indent="0" algn="ctr" rtl="0">
-              <a:spcBef>
-                <a:spcPts val="0"/>
-              </a:spcBef>
-              <a:spcAft>
-                <a:spcPts val="0"/>
-              </a:spcAft>
-              <a:buNone/>
-            </a:pPr>
-            <a:r>
-              <a:rPr lang="en-US" altLang="en-GB"/>
-              <a:t>Downloading Files</a:t>
-            </a:r>
             <a:endParaRPr lang="en-US" altLang="en-GB"/>
           </a:p>
         </p:txBody>
@@ -17343,7 +17300,7 @@
               <a:rPr lang="en-US" altLang="en-GB">
                 <a:sym typeface="+mn-ea"/>
               </a:rPr>
-              <a:t>Downloading and Managing Files</a:t>
+              <a:t>Capturing Groups and Alternation</a:t>
             </a:r>
             <a:r>
               <a:rPr lang="en-GB"/>
@@ -17571,7 +17528,7 @@
           <a:p>
             <a:r>
               <a:rPr lang="en-US"/>
-              <a:t>Downloading Files</a:t>
+              <a:t>Capturing Groups</a:t>
             </a:r>
             <a:endParaRPr lang="en-US"/>
           </a:p>
@@ -17601,63 +17558,7 @@
             </a:pPr>
             <a:r>
               <a:rPr lang="en-US"/>
-              <a:t>Once a file is uploaded, you can download it either via the dashboard or programmatically.</a:t>
-            </a:r>
-            <a:endParaRPr lang="en-US"/>
-          </a:p>
-          <a:p>
-            <a:pPr lvl="1">
-              <a:lnSpc>
-                <a:spcPct val="150000"/>
-              </a:lnSpc>
-            </a:pPr>
-            <a:r>
-              <a:rPr lang="en-US"/>
-              <a:t>Example: Downloading a file from a bucket:</a:t>
-            </a:r>
-            <a:endParaRPr lang="en-US"/>
-          </a:p>
-          <a:p>
-            <a:pPr>
-              <a:lnSpc>
-                <a:spcPct val="150000"/>
-              </a:lnSpc>
-            </a:pPr>
-            <a:endParaRPr lang="en-US"/>
-          </a:p>
-          <a:p>
-            <a:pPr>
-              <a:lnSpc>
-                <a:spcPct val="150000"/>
-              </a:lnSpc>
-            </a:pPr>
-            <a:endParaRPr lang="en-US"/>
-          </a:p>
-          <a:p>
-            <a:pPr>
-              <a:lnSpc>
-                <a:spcPct val="150000"/>
-              </a:lnSpc>
-            </a:pPr>
-            <a:endParaRPr lang="en-US"/>
-          </a:p>
-          <a:p>
-            <a:pPr>
-              <a:lnSpc>
-                <a:spcPct val="150000"/>
-              </a:lnSpc>
-            </a:pPr>
-            <a:endParaRPr lang="en-US"/>
-          </a:p>
-          <a:p>
-            <a:pPr>
-              <a:lnSpc>
-                <a:spcPct val="150000"/>
-              </a:lnSpc>
-            </a:pPr>
-            <a:r>
-              <a:rPr lang="en-US"/>
-              <a:t>The download() method retrieves the file, which you can then display or save on the user’s device.</a:t>
+              <a:t>( ) - Parentheses are used to group sub-patterns.</a:t>
             </a:r>
             <a:endParaRPr lang="en-US"/>
           </a:p>
@@ -17712,14 +17613,14 @@
       </p:sp>
       <p:sp>
         <p:nvSpPr>
-          <p:cNvPr id="4" name="Rounded Rectangle 3"/>
+          <p:cNvPr id="6" name="Rounded Rectangle 5"/>
           <p:cNvSpPr/>
           <p:nvPr/>
         </p:nvSpPr>
         <p:spPr>
           <a:xfrm>
-            <a:off x="2372995" y="4293870"/>
-            <a:ext cx="6908800" cy="1537970"/>
+            <a:off x="2372995" y="3509645"/>
+            <a:ext cx="6908800" cy="1219200"/>
           </a:xfrm>
           <a:prstGeom prst="roundRect">
             <a:avLst/>
@@ -17755,7 +17656,7 @@
             <a:pPr algn="l"/>
             <a:r>
               <a:rPr lang="en-US"/>
-              <a:t>const { data, error } = supabase.storage</a:t>
+              <a:t>let regex = /(dog|cat)/;</a:t>
             </a:r>
             <a:endParaRPr lang="en-US"/>
           </a:p>
@@ -17763,7 +17664,7 @@
             <a:pPr algn="l"/>
             <a:r>
               <a:rPr lang="en-US"/>
-              <a:t>  .from('your-bucket-name')</a:t>
+              <a:t>let str = "I have a dog.";</a:t>
             </a:r>
             <a:endParaRPr lang="en-US"/>
           </a:p>
@@ -17771,27 +17672,7 @@
             <a:pPr algn="l"/>
             <a:r>
               <a:rPr lang="en-US"/>
-              <a:t>  .download('public/avatar.png');</a:t>
-            </a:r>
-            <a:endParaRPr lang="en-US"/>
-          </a:p>
-          <a:p>
-            <a:pPr algn="l"/>
-            <a:endParaRPr lang="en-US"/>
-          </a:p>
-          <a:p>
-            <a:pPr algn="l"/>
-            <a:r>
-              <a:rPr lang="en-US"/>
-              <a:t>const url = URL.createObjectURL(data);</a:t>
-            </a:r>
-            <a:endParaRPr lang="en-US"/>
-          </a:p>
-          <a:p>
-            <a:pPr algn="l"/>
-            <a:r>
-              <a:rPr lang="en-US"/>
-              <a:t>document.getElementById('img').src = url;</a:t>
+              <a:t>console.log(regex.test(str));  // true</a:t>
             </a:r>
             <a:endParaRPr lang="en-US"/>
           </a:p>
@@ -17896,7 +17777,7 @@
           <a:p>
             <a:r>
               <a:rPr lang="en-US"/>
-              <a:t>Deleting Files</a:t>
+              <a:t>Backreferences</a:t>
             </a:r>
             <a:endParaRPr lang="en-US"/>
           </a:p>
@@ -17926,19 +17807,7 @@
             </a:pPr>
             <a:r>
               <a:rPr lang="en-US"/>
-              <a:t>You can delete files directly from the dashboard or programmatically.</a:t>
-            </a:r>
-            <a:endParaRPr lang="en-US"/>
-          </a:p>
-          <a:p>
-            <a:pPr lvl="1">
-              <a:lnSpc>
-                <a:spcPct val="150000"/>
-              </a:lnSpc>
-            </a:pPr>
-            <a:r>
-              <a:rPr lang="en-US"/>
-              <a:t>Example: Deleting a file programmatically</a:t>
+              <a:t>Refer to previously captured groups using \1, \2, etc.</a:t>
             </a:r>
             <a:endParaRPr lang="en-US"/>
           </a:p>
@@ -17993,14 +17862,14 @@
       </p:sp>
       <p:sp>
         <p:nvSpPr>
-          <p:cNvPr id="4" name="Rounded Rectangle 3"/>
+          <p:cNvPr id="6" name="Rounded Rectangle 5"/>
           <p:cNvSpPr/>
           <p:nvPr/>
         </p:nvSpPr>
         <p:spPr>
           <a:xfrm>
-            <a:off x="2372995" y="4385310"/>
-            <a:ext cx="6908800" cy="1061720"/>
+            <a:off x="2372995" y="3509645"/>
+            <a:ext cx="6908800" cy="1219200"/>
           </a:xfrm>
           <a:prstGeom prst="roundRect">
             <a:avLst/>
@@ -18036,7 +17905,7 @@
             <a:pPr algn="l"/>
             <a:r>
               <a:rPr lang="en-US"/>
-              <a:t>const { error } = await supabase.storage</a:t>
+              <a:t>let regex = /(\d{2})-(\d{2})-(\d{4})/;</a:t>
             </a:r>
             <a:endParaRPr lang="en-US"/>
           </a:p>
@@ -18044,7 +17913,7 @@
             <a:pPr algn="l"/>
             <a:r>
               <a:rPr lang="en-US"/>
-              <a:t>  .from('your-bucket-name')</a:t>
+              <a:t>let str = "12-34-5678";</a:t>
             </a:r>
             <a:endParaRPr lang="en-US"/>
           </a:p>
@@ -18052,7 +17921,7 @@
             <a:pPr algn="l"/>
             <a:r>
               <a:rPr lang="en-US"/>
-              <a:t>  .remove(['public/avatar.png']);</a:t>
+              <a:t>console.log(str.match(regex));  // ["12-34-5678", "12", "34", "5678"]</a:t>
             </a:r>
             <a:endParaRPr lang="en-US"/>
           </a:p>
@@ -18157,7 +18026,7 @@
           <a:p>
             <a:r>
               <a:rPr lang="en-US"/>
-              <a:t>Listing Files</a:t>
+              <a:t>Alternation (OR)</a:t>
             </a:r>
             <a:endParaRPr lang="en-US"/>
           </a:p>
@@ -18187,20 +18056,16 @@
             </a:pPr>
             <a:r>
               <a:rPr lang="en-US"/>
-              <a:t>You can list all files within a bucket to display them on your frontend.</a:t>
+              <a:t>| - Matches either of the patterns.</a:t>
             </a:r>
             <a:endParaRPr lang="en-US"/>
           </a:p>
           <a:p>
-            <a:pPr lvl="1">
+            <a:pPr>
               <a:lnSpc>
                 <a:spcPct val="150000"/>
               </a:lnSpc>
             </a:pPr>
-            <a:r>
-              <a:rPr lang="en-US"/>
-              <a:t>Example: Listing all files in a bucket</a:t>
-            </a:r>
             <a:endParaRPr lang="en-US"/>
           </a:p>
         </p:txBody>
@@ -18254,14 +18119,14 @@
       </p:sp>
       <p:sp>
         <p:nvSpPr>
-          <p:cNvPr id="4" name="Rounded Rectangle 3"/>
+          <p:cNvPr id="6" name="Rounded Rectangle 5"/>
           <p:cNvSpPr/>
           <p:nvPr/>
         </p:nvSpPr>
         <p:spPr>
           <a:xfrm>
-            <a:off x="2372995" y="4385310"/>
-            <a:ext cx="6908800" cy="1061720"/>
+            <a:off x="2372995" y="3509645"/>
+            <a:ext cx="6908800" cy="1016000"/>
           </a:xfrm>
           <a:prstGeom prst="roundRect">
             <a:avLst/>
@@ -18297,7 +18162,7 @@
             <a:pPr algn="l"/>
             <a:r>
               <a:rPr lang="en-US"/>
-              <a:t>const { data, error } = await supabase.storage</a:t>
+              <a:t>let regex = /apple|orange/;</a:t>
             </a:r>
             <a:endParaRPr lang="en-US"/>
           </a:p>
@@ -18305,15 +18170,7 @@
             <a:pPr algn="l"/>
             <a:r>
               <a:rPr lang="en-US"/>
-              <a:t>  .from('your-bucket-name')</a:t>
-            </a:r>
-            <a:endParaRPr lang="en-US"/>
-          </a:p>
-          <a:p>
-            <a:pPr algn="l"/>
-            <a:r>
-              <a:rPr lang="en-US"/>
-              <a:t>  .list('public/');</a:t>
+              <a:t>console.log(regex.test("I like apple"));  // true</a:t>
             </a:r>
             <a:endParaRPr lang="en-US"/>
           </a:p>
@@ -18420,7 +18277,7 @@
               <a:rPr lang="en-US">
                 <a:sym typeface="+mn-ea"/>
               </a:rPr>
-              <a:t>Managing Files</a:t>
+              <a:t>Lookaheads</a:t>
             </a:r>
             <a:endParaRPr lang="en-US">
               <a:sym typeface="+mn-ea"/>
@@ -18452,7 +18309,7 @@
             </a:pPr>
             <a:r>
               <a:rPr lang="en-US"/>
-              <a:t>From the Supabase dashboard, you can move, rename, and delete files.</a:t>
+              <a:t>Positive lookahead (?=...) - Ensures that a certain pattern follows.</a:t>
             </a:r>
             <a:endParaRPr lang="en-US"/>
           </a:p>
@@ -18464,7 +18321,7 @@
             </a:pPr>
             <a:r>
               <a:rPr lang="en-US"/>
-              <a:t>Use best practices for file organization and naming conventions to avoid clutter and ensure easy management.</a:t>
+              <a:t>Negative lookahead (?!...) - Ensures that a certain pattern does NOT follow.</a:t>
             </a:r>
             <a:endParaRPr lang="en-US"/>
           </a:p>
@@ -18512,6 +18369,73 @@
             <a:r>
               <a:rPr lang="en-US"/>
               <a:t>joeshwoa.george@gmail.com</a:t>
+            </a:r>
+            <a:endParaRPr lang="en-US"/>
+          </a:p>
+        </p:txBody>
+      </p:sp>
+      <p:sp>
+        <p:nvSpPr>
+          <p:cNvPr id="6" name="Rounded Rectangle 5"/>
+          <p:cNvSpPr/>
+          <p:nvPr/>
+        </p:nvSpPr>
+        <p:spPr>
+          <a:xfrm>
+            <a:off x="2372995" y="4364355"/>
+            <a:ext cx="6908800" cy="1375410"/>
+          </a:xfrm>
+          <a:prstGeom prst="roundRect">
+            <a:avLst/>
+          </a:prstGeom>
+          <a:solidFill>
+            <a:schemeClr val="bg2"/>
+          </a:solidFill>
+          <a:ln>
+            <a:solidFill>
+              <a:schemeClr val="bg2"/>
+            </a:solidFill>
+          </a:ln>
+        </p:spPr>
+        <p:style>
+          <a:lnRef idx="2">
+            <a:schemeClr val="accent1">
+              <a:lumMod val="75000"/>
+            </a:schemeClr>
+          </a:lnRef>
+          <a:fillRef idx="1">
+            <a:schemeClr val="accent1"/>
+          </a:fillRef>
+          <a:effectRef idx="0">
+            <a:srgbClr val="FFFFFF"/>
+          </a:effectRef>
+          <a:fontRef idx="minor">
+            <a:schemeClr val="lt1"/>
+          </a:fontRef>
+        </p:style>
+        <p:txBody>
+          <a:bodyPr rtlCol="0" anchor="ctr"/>
+          <a:p>
+            <a:pPr algn="l"/>
+            <a:r>
+              <a:rPr lang="en-US"/>
+              <a:t>let regex = /\d(?=px)/;</a:t>
+            </a:r>
+            <a:endParaRPr lang="en-US"/>
+          </a:p>
+          <a:p>
+            <a:pPr algn="l"/>
+            <a:r>
+              <a:rPr lang="en-US"/>
+              <a:t>let str = "200px";</a:t>
+            </a:r>
+            <a:endParaRPr lang="en-US"/>
+          </a:p>
+          <a:p>
+            <a:pPr algn="l"/>
+            <a:r>
+              <a:rPr lang="en-US"/>
+              <a:t>console.log(regex.test(str));  // true</a:t>
             </a:r>
             <a:endParaRPr lang="en-US"/>
           </a:p>
@@ -19115,10 +19039,14 @@
           <a:bodyPr/>
           <a:p>
             <a:r>
-              <a:rPr lang="en-US"/>
-              <a:t>Access Control Options</a:t>
+              <a:rPr lang="en-US">
+                <a:sym typeface="+mn-ea"/>
+              </a:rPr>
+              <a:t>Lookbehinds</a:t>
             </a:r>
-            <a:endParaRPr lang="en-US"/>
+            <a:endParaRPr lang="en-US">
+              <a:sym typeface="+mn-ea"/>
+            </a:endParaRPr>
           </a:p>
         </p:txBody>
       </p:sp>
@@ -19146,204 +19074,10 @@
             </a:pPr>
             <a:r>
               <a:rPr lang="en-US"/>
-              <a:t>Supabase allows you to control who can access files based on the bucket’s privacy settings.</a:t>
+              <a:t>Positive lookbehind (?&lt;=...) - Ensures that a certain pattern precedes.</a:t>
             </a:r>
             <a:endParaRPr lang="en-US"/>
           </a:p>
-          <a:p>
-            <a:pPr lvl="1">
-              <a:lnSpc>
-                <a:spcPct val="150000"/>
-              </a:lnSpc>
-            </a:pPr>
-            <a:r>
-              <a:rPr lang="en-US"/>
-              <a:t>Public Bucket: Files in the bucket are accessible by anyone via a public URL.</a:t>
-            </a:r>
-            <a:endParaRPr lang="en-US"/>
-          </a:p>
-          <a:p>
-            <a:pPr lvl="1">
-              <a:lnSpc>
-                <a:spcPct val="150000"/>
-              </a:lnSpc>
-            </a:pPr>
-            <a:r>
-              <a:rPr lang="en-US"/>
-              <a:t>Private Bucket: Files in the bucket are restricted, and only authorized users or systems can access them.</a:t>
-            </a:r>
-            <a:endParaRPr lang="en-US"/>
-          </a:p>
-        </p:txBody>
-      </p:sp>
-      <p:sp>
-        <p:nvSpPr>
-          <p:cNvPr id="5" name="Text Box 4"/>
-          <p:cNvSpPr txBox="1"/>
-          <p:nvPr>
-            <p:custDataLst>
-              <p:tags r:id="rId2"/>
-            </p:custDataLst>
-          </p:nvPr>
-        </p:nvSpPr>
-        <p:spPr>
-          <a:xfrm rot="5400000">
-            <a:off x="-1236345" y="5244465"/>
-            <a:ext cx="2849880" cy="377190"/>
-          </a:xfrm>
-          <a:prstGeom prst="rect">
-            <a:avLst/>
-          </a:prstGeom>
-        </p:spPr>
-        <p:style>
-          <a:lnRef idx="2">
-            <a:schemeClr val="lt1"/>
-          </a:lnRef>
-          <a:fillRef idx="1">
-            <a:prstClr val="black"/>
-          </a:fillRef>
-          <a:effectRef idx="1">
-            <a:prstClr val="black"/>
-          </a:effectRef>
-          <a:fontRef idx="minor">
-            <a:schemeClr val="lt1"/>
-          </a:fontRef>
-        </p:style>
-        <p:txBody>
-          <a:bodyPr wrap="square" rtlCol="0">
-            <a:noAutofit/>
-          </a:bodyPr>
-          <a:p>
-            <a:pPr algn="ctr"/>
-            <a:r>
-              <a:rPr lang="en-US"/>
-              <a:t>joeshwoa.george@gmail.com</a:t>
-            </a:r>
-            <a:endParaRPr lang="en-US"/>
-          </a:p>
-        </p:txBody>
-      </p:sp>
-    </p:spTree>
-  </p:cSld>
-  <p:clrMapOvr>
-    <a:masterClrMapping/>
-  </p:clrMapOvr>
-</p:sld>
-</file>
-
-<file path=ppt/slides/slide21.xml><?xml version="1.0" encoding="utf-8"?>
-<p:sld xmlns:a="http://schemas.openxmlformats.org/drawingml/2006/main" xmlns:r="http://schemas.openxmlformats.org/officeDocument/2006/relationships" xmlns:p="http://schemas.openxmlformats.org/presentationml/2006/main">
-  <p:cSld>
-    <p:spTree>
-      <p:nvGrpSpPr>
-        <p:cNvPr id="1" name=""/>
-        <p:cNvGrpSpPr/>
-        <p:nvPr/>
-      </p:nvGrpSpPr>
-      <p:grpSpPr/>
-      <p:sp>
-        <p:nvSpPr>
-          <p:cNvPr id="136" name="Google Shape;136;p19"/>
-          <p:cNvSpPr/>
-          <p:nvPr>
-            <p:custDataLst>
-              <p:tags r:id="rId1"/>
-            </p:custDataLst>
-          </p:nvPr>
-        </p:nvSpPr>
-        <p:spPr>
-          <a:xfrm>
-            <a:off x="1110585" y="1307323"/>
-            <a:ext cx="1262400" cy="1262400"/>
-          </a:xfrm>
-          <a:prstGeom prst="ellipse">
-            <a:avLst/>
-          </a:prstGeom>
-          <a:gradFill>
-            <a:gsLst>
-              <a:gs pos="0">
-                <a:srgbClr val="30C088"/>
-              </a:gs>
-              <a:gs pos="52999">
-                <a:srgbClr val="3FCF99"/>
-              </a:gs>
-              <a:gs pos="100000">
-                <a:srgbClr val="FFFFFF">
-                  <a:alpha val="1960"/>
-                </a:srgbClr>
-              </a:gs>
-            </a:gsLst>
-            <a:path path="circle">
-              <a:fillToRect l="50000" t="50000" r="50000" b="50000"/>
-            </a:path>
-            <a:tileRect/>
-          </a:gradFill>
-          <a:ln>
-            <a:noFill/>
-          </a:ln>
-        </p:spPr>
-        <p:txBody>
-          <a:bodyPr spcFirstLastPara="1" wrap="square" lIns="91425" tIns="91425" rIns="91425" bIns="91425" anchor="ctr" anchorCtr="0">
-            <a:noAutofit/>
-          </a:bodyPr>
-          <a:p>
-            <a:pPr marL="0" marR="0" lvl="0" indent="0" algn="ctr" rtl="0">
-              <a:lnSpc>
-                <a:spcPct val="100000"/>
-              </a:lnSpc>
-              <a:spcBef>
-                <a:spcPts val="0"/>
-              </a:spcBef>
-              <a:spcAft>
-                <a:spcPts val="0"/>
-              </a:spcAft>
-              <a:buNone/>
-            </a:pPr>
-            <a:endParaRPr>
-              <a:latin typeface="Antic Slab"/>
-              <a:ea typeface="Antic Slab"/>
-              <a:cs typeface="Antic Slab"/>
-              <a:sym typeface="Antic Slab"/>
-            </a:endParaRPr>
-          </a:p>
-        </p:txBody>
-      </p:sp>
-      <p:sp>
-        <p:nvSpPr>
-          <p:cNvPr id="2" name="Title 1"/>
-          <p:cNvSpPr/>
-          <p:nvPr>
-            <p:ph type="title"/>
-          </p:nvPr>
-        </p:nvSpPr>
-        <p:spPr/>
-        <p:txBody>
-          <a:bodyPr/>
-          <a:p>
-            <a:r>
-              <a:rPr lang="en-US"/>
-              <a:t>Setting Bucket Privacy</a:t>
-            </a:r>
-            <a:endParaRPr lang="en-US"/>
-          </a:p>
-        </p:txBody>
-      </p:sp>
-      <p:sp>
-        <p:nvSpPr>
-          <p:cNvPr id="3" name="Text Placeholder 2"/>
-          <p:cNvSpPr/>
-          <p:nvPr>
-            <p:ph type="body" idx="1"/>
-          </p:nvPr>
-        </p:nvSpPr>
-        <p:spPr>
-          <a:xfrm>
-            <a:off x="1401445" y="2789555"/>
-            <a:ext cx="8284210" cy="3265805"/>
-          </a:xfrm>
-        </p:spPr>
-        <p:txBody>
-          <a:bodyPr/>
           <a:p>
             <a:pPr>
               <a:lnSpc>
@@ -19352,31 +19086,7 @@
             </a:pPr>
             <a:r>
               <a:rPr lang="en-US"/>
-              <a:t>Public Access:</a:t>
-            </a:r>
-            <a:endParaRPr lang="en-US"/>
-          </a:p>
-          <a:p>
-            <a:pPr lvl="1">
-              <a:lnSpc>
-                <a:spcPct val="150000"/>
-              </a:lnSpc>
-            </a:pPr>
-            <a:r>
-              <a:rPr lang="en-US"/>
-              <a:t>When creating a bucket, you can set it to be public, allowing anyone to access files via a public URL.</a:t>
-            </a:r>
-            <a:endParaRPr lang="en-US"/>
-          </a:p>
-          <a:p>
-            <a:pPr lvl="1">
-              <a:lnSpc>
-                <a:spcPct val="150000"/>
-              </a:lnSpc>
-            </a:pPr>
-            <a:r>
-              <a:rPr lang="en-US"/>
-              <a:t>Example: Accessing a public file:</a:t>
+              <a:t>Negative lookbehind (?&lt;!...) - Ensures that a certain pattern does NOT precede.</a:t>
             </a:r>
             <a:endParaRPr lang="en-US"/>
           </a:p>
@@ -19437,8 +19147,8 @@
         </p:nvSpPr>
         <p:spPr>
           <a:xfrm>
-            <a:off x="2372995" y="4846955"/>
-            <a:ext cx="6908800" cy="821055"/>
+            <a:off x="2372995" y="4831715"/>
+            <a:ext cx="6908800" cy="1313815"/>
           </a:xfrm>
           <a:prstGeom prst="roundRect">
             <a:avLst/>
@@ -19474,7 +19184,23 @@
             <a:pPr algn="l"/>
             <a:r>
               <a:rPr lang="en-US"/>
-              <a:t>https://your-project.supabase.co/storage/v1/object/public/your-bucket-name/avatar.png</a:t>
+              <a:t>let regex = /(?&lt;=\$)\d+/;</a:t>
+            </a:r>
+            <a:endParaRPr lang="en-US"/>
+          </a:p>
+          <a:p>
+            <a:pPr algn="l"/>
+            <a:r>
+              <a:rPr lang="en-US"/>
+              <a:t>let str = "$100";</a:t>
+            </a:r>
+            <a:endParaRPr lang="en-US"/>
+          </a:p>
+          <a:p>
+            <a:pPr algn="l"/>
+            <a:r>
+              <a:rPr lang="en-US"/>
+              <a:t>console.log(str.match(regex));  // ["100"]</a:t>
             </a:r>
             <a:endParaRPr lang="en-US"/>
           </a:p>
@@ -19488,535 +19214,7 @@
 </p:sld>
 </file>
 
-<file path=ppt/slides/slide22.xml><?xml version="1.0" encoding="utf-8"?>
-<p:sld xmlns:a="http://schemas.openxmlformats.org/drawingml/2006/main" xmlns:r="http://schemas.openxmlformats.org/officeDocument/2006/relationships" xmlns:p="http://schemas.openxmlformats.org/presentationml/2006/main">
-  <p:cSld>
-    <p:spTree>
-      <p:nvGrpSpPr>
-        <p:cNvPr id="1" name=""/>
-        <p:cNvGrpSpPr/>
-        <p:nvPr/>
-      </p:nvGrpSpPr>
-      <p:grpSpPr/>
-      <p:sp>
-        <p:nvSpPr>
-          <p:cNvPr id="136" name="Google Shape;136;p19"/>
-          <p:cNvSpPr/>
-          <p:nvPr>
-            <p:custDataLst>
-              <p:tags r:id="rId1"/>
-            </p:custDataLst>
-          </p:nvPr>
-        </p:nvSpPr>
-        <p:spPr>
-          <a:xfrm>
-            <a:off x="1110585" y="1307323"/>
-            <a:ext cx="1262400" cy="1262400"/>
-          </a:xfrm>
-          <a:prstGeom prst="ellipse">
-            <a:avLst/>
-          </a:prstGeom>
-          <a:gradFill>
-            <a:gsLst>
-              <a:gs pos="0">
-                <a:srgbClr val="30C088"/>
-              </a:gs>
-              <a:gs pos="52999">
-                <a:srgbClr val="3FCF99"/>
-              </a:gs>
-              <a:gs pos="100000">
-                <a:srgbClr val="FFFFFF">
-                  <a:alpha val="1960"/>
-                </a:srgbClr>
-              </a:gs>
-            </a:gsLst>
-            <a:path path="circle">
-              <a:fillToRect l="50000" t="50000" r="50000" b="50000"/>
-            </a:path>
-            <a:tileRect/>
-          </a:gradFill>
-          <a:ln>
-            <a:noFill/>
-          </a:ln>
-        </p:spPr>
-        <p:txBody>
-          <a:bodyPr spcFirstLastPara="1" wrap="square" lIns="91425" tIns="91425" rIns="91425" bIns="91425" anchor="ctr" anchorCtr="0">
-            <a:noAutofit/>
-          </a:bodyPr>
-          <a:p>
-            <a:pPr marL="0" marR="0" lvl="0" indent="0" algn="ctr" rtl="0">
-              <a:lnSpc>
-                <a:spcPct val="100000"/>
-              </a:lnSpc>
-              <a:spcBef>
-                <a:spcPts val="0"/>
-              </a:spcBef>
-              <a:spcAft>
-                <a:spcPts val="0"/>
-              </a:spcAft>
-              <a:buNone/>
-            </a:pPr>
-            <a:endParaRPr>
-              <a:latin typeface="Antic Slab"/>
-              <a:ea typeface="Antic Slab"/>
-              <a:cs typeface="Antic Slab"/>
-              <a:sym typeface="Antic Slab"/>
-            </a:endParaRPr>
-          </a:p>
-        </p:txBody>
-      </p:sp>
-      <p:sp>
-        <p:nvSpPr>
-          <p:cNvPr id="2" name="Title 1"/>
-          <p:cNvSpPr/>
-          <p:nvPr>
-            <p:ph type="title"/>
-          </p:nvPr>
-        </p:nvSpPr>
-        <p:spPr/>
-        <p:txBody>
-          <a:bodyPr/>
-          <a:p>
-            <a:r>
-              <a:rPr lang="en-US"/>
-              <a:t>Setting Bucket Privacy</a:t>
-            </a:r>
-            <a:endParaRPr lang="en-US"/>
-          </a:p>
-        </p:txBody>
-      </p:sp>
-      <p:sp>
-        <p:nvSpPr>
-          <p:cNvPr id="3" name="Text Placeholder 2"/>
-          <p:cNvSpPr/>
-          <p:nvPr>
-            <p:ph type="body" idx="1"/>
-          </p:nvPr>
-        </p:nvSpPr>
-        <p:spPr>
-          <a:xfrm>
-            <a:off x="1401445" y="2789555"/>
-            <a:ext cx="8284210" cy="3265805"/>
-          </a:xfrm>
-        </p:spPr>
-        <p:txBody>
-          <a:bodyPr/>
-          <a:p>
-            <a:pPr>
-              <a:lnSpc>
-                <a:spcPct val="150000"/>
-              </a:lnSpc>
-            </a:pPr>
-            <a:r>
-              <a:rPr lang="en-US"/>
-              <a:t>Private Access:</a:t>
-            </a:r>
-            <a:endParaRPr lang="en-US"/>
-          </a:p>
-          <a:p>
-            <a:pPr lvl="1">
-              <a:lnSpc>
-                <a:spcPct val="150000"/>
-              </a:lnSpc>
-            </a:pPr>
-            <a:r>
-              <a:rPr lang="en-US"/>
-              <a:t>For more sensitive files, set the bucket to private.</a:t>
-            </a:r>
-            <a:endParaRPr lang="en-US"/>
-          </a:p>
-          <a:p>
-            <a:pPr lvl="1">
-              <a:lnSpc>
-                <a:spcPct val="150000"/>
-              </a:lnSpc>
-            </a:pPr>
-            <a:r>
-              <a:rPr lang="en-US"/>
-              <a:t>Private files can only be accessed using a signed URL or authenticated request.</a:t>
-            </a:r>
-            <a:endParaRPr lang="en-US"/>
-          </a:p>
-          <a:p>
-            <a:pPr lvl="1">
-              <a:lnSpc>
-                <a:spcPct val="150000"/>
-              </a:lnSpc>
-            </a:pPr>
-            <a:r>
-              <a:rPr lang="en-US"/>
-              <a:t>Example: Generating a signed URL for private files:</a:t>
-            </a:r>
-            <a:endParaRPr lang="en-US"/>
-          </a:p>
-          <a:p>
-            <a:pPr lvl="1">
-              <a:lnSpc>
-                <a:spcPct val="150000"/>
-              </a:lnSpc>
-            </a:pPr>
-            <a:endParaRPr lang="en-US"/>
-          </a:p>
-          <a:p>
-            <a:pPr lvl="1">
-              <a:lnSpc>
-                <a:spcPct val="150000"/>
-              </a:lnSpc>
-            </a:pPr>
-            <a:endParaRPr lang="en-US"/>
-          </a:p>
-          <a:p>
-            <a:pPr lvl="1">
-              <a:lnSpc>
-                <a:spcPct val="150000"/>
-              </a:lnSpc>
-            </a:pPr>
-            <a:endParaRPr lang="en-US"/>
-          </a:p>
-          <a:p>
-            <a:pPr marL="565150" lvl="1" indent="0">
-              <a:lnSpc>
-                <a:spcPct val="150000"/>
-              </a:lnSpc>
-              <a:buNone/>
-            </a:pPr>
-            <a:r>
-              <a:rPr lang="en-US" sz="1200"/>
-              <a:t>*The signed URL expires after 60 seconds, ensuring limited access to the file.</a:t>
-            </a:r>
-            <a:endParaRPr lang="en-US" sz="1200"/>
-          </a:p>
-        </p:txBody>
-      </p:sp>
-      <p:sp>
-        <p:nvSpPr>
-          <p:cNvPr id="5" name="Text Box 4"/>
-          <p:cNvSpPr txBox="1"/>
-          <p:nvPr>
-            <p:custDataLst>
-              <p:tags r:id="rId2"/>
-            </p:custDataLst>
-          </p:nvPr>
-        </p:nvSpPr>
-        <p:spPr>
-          <a:xfrm rot="5400000">
-            <a:off x="-1236345" y="5244465"/>
-            <a:ext cx="2849880" cy="377190"/>
-          </a:xfrm>
-          <a:prstGeom prst="rect">
-            <a:avLst/>
-          </a:prstGeom>
-        </p:spPr>
-        <p:style>
-          <a:lnRef idx="2">
-            <a:schemeClr val="lt1"/>
-          </a:lnRef>
-          <a:fillRef idx="1">
-            <a:prstClr val="black"/>
-          </a:fillRef>
-          <a:effectRef idx="1">
-            <a:prstClr val="black"/>
-          </a:effectRef>
-          <a:fontRef idx="minor">
-            <a:schemeClr val="lt1"/>
-          </a:fontRef>
-        </p:style>
-        <p:txBody>
-          <a:bodyPr wrap="square" rtlCol="0">
-            <a:noAutofit/>
-          </a:bodyPr>
-          <a:p>
-            <a:pPr algn="ctr"/>
-            <a:r>
-              <a:rPr lang="en-US"/>
-              <a:t>joeshwoa.george@gmail.com</a:t>
-            </a:r>
-            <a:endParaRPr lang="en-US"/>
-          </a:p>
-        </p:txBody>
-      </p:sp>
-      <p:sp>
-        <p:nvSpPr>
-          <p:cNvPr id="6" name="Rounded Rectangle 5"/>
-          <p:cNvSpPr/>
-          <p:nvPr/>
-        </p:nvSpPr>
-        <p:spPr>
-          <a:xfrm>
-            <a:off x="2372995" y="5151755"/>
-            <a:ext cx="6908800" cy="1024890"/>
-          </a:xfrm>
-          <a:prstGeom prst="roundRect">
-            <a:avLst/>
-          </a:prstGeom>
-          <a:solidFill>
-            <a:schemeClr val="bg2"/>
-          </a:solidFill>
-          <a:ln>
-            <a:solidFill>
-              <a:schemeClr val="bg2"/>
-            </a:solidFill>
-          </a:ln>
-        </p:spPr>
-        <p:style>
-          <a:lnRef idx="2">
-            <a:schemeClr val="accent1">
-              <a:lumMod val="75000"/>
-            </a:schemeClr>
-          </a:lnRef>
-          <a:fillRef idx="1">
-            <a:schemeClr val="accent1"/>
-          </a:fillRef>
-          <a:effectRef idx="0">
-            <a:srgbClr val="FFFFFF"/>
-          </a:effectRef>
-          <a:fontRef idx="minor">
-            <a:schemeClr val="lt1"/>
-          </a:fontRef>
-        </p:style>
-        <p:txBody>
-          <a:bodyPr rtlCol="0" anchor="ctr"/>
-          <a:p>
-            <a:pPr algn="l"/>
-            <a:r>
-              <a:rPr lang="en-US"/>
-              <a:t>const { data, error } = await supabase.storage</a:t>
-            </a:r>
-            <a:endParaRPr lang="en-US"/>
-          </a:p>
-          <a:p>
-            <a:pPr algn="l"/>
-            <a:r>
-              <a:rPr lang="en-US"/>
-              <a:t>  .from('your-bucket-name')</a:t>
-            </a:r>
-            <a:endParaRPr lang="en-US"/>
-          </a:p>
-          <a:p>
-            <a:pPr algn="l"/>
-            <a:r>
-              <a:rPr lang="en-US"/>
-              <a:t>  .createSignedUrl('private/avatar.png', 60);</a:t>
-            </a:r>
-            <a:endParaRPr lang="en-US"/>
-          </a:p>
-        </p:txBody>
-      </p:sp>
-    </p:spTree>
-  </p:cSld>
-  <p:clrMapOvr>
-    <a:masterClrMapping/>
-  </p:clrMapOvr>
-</p:sld>
-</file>
-
-<file path=ppt/slides/slide23.xml><?xml version="1.0" encoding="utf-8"?>
-<p:sld xmlns:a="http://schemas.openxmlformats.org/drawingml/2006/main" xmlns:r="http://schemas.openxmlformats.org/officeDocument/2006/relationships" xmlns:p="http://schemas.openxmlformats.org/presentationml/2006/main">
-  <p:cSld>
-    <p:spTree>
-      <p:nvGrpSpPr>
-        <p:cNvPr id="1" name=""/>
-        <p:cNvGrpSpPr/>
-        <p:nvPr/>
-      </p:nvGrpSpPr>
-      <p:grpSpPr/>
-      <p:sp>
-        <p:nvSpPr>
-          <p:cNvPr id="136" name="Google Shape;136;p19"/>
-          <p:cNvSpPr/>
-          <p:nvPr>
-            <p:custDataLst>
-              <p:tags r:id="rId1"/>
-            </p:custDataLst>
-          </p:nvPr>
-        </p:nvSpPr>
-        <p:spPr>
-          <a:xfrm>
-            <a:off x="1110585" y="1307323"/>
-            <a:ext cx="1262400" cy="1262400"/>
-          </a:xfrm>
-          <a:prstGeom prst="ellipse">
-            <a:avLst/>
-          </a:prstGeom>
-          <a:gradFill>
-            <a:gsLst>
-              <a:gs pos="0">
-                <a:srgbClr val="30C088"/>
-              </a:gs>
-              <a:gs pos="52999">
-                <a:srgbClr val="3FCF99"/>
-              </a:gs>
-              <a:gs pos="100000">
-                <a:srgbClr val="FFFFFF">
-                  <a:alpha val="1960"/>
-                </a:srgbClr>
-              </a:gs>
-            </a:gsLst>
-            <a:path path="circle">
-              <a:fillToRect l="50000" t="50000" r="50000" b="50000"/>
-            </a:path>
-            <a:tileRect/>
-          </a:gradFill>
-          <a:ln>
-            <a:noFill/>
-          </a:ln>
-        </p:spPr>
-        <p:txBody>
-          <a:bodyPr spcFirstLastPara="1" wrap="square" lIns="91425" tIns="91425" rIns="91425" bIns="91425" anchor="ctr" anchorCtr="0">
-            <a:noAutofit/>
-          </a:bodyPr>
-          <a:p>
-            <a:pPr marL="0" marR="0" lvl="0" indent="0" algn="ctr" rtl="0">
-              <a:lnSpc>
-                <a:spcPct val="100000"/>
-              </a:lnSpc>
-              <a:spcBef>
-                <a:spcPts val="0"/>
-              </a:spcBef>
-              <a:spcAft>
-                <a:spcPts val="0"/>
-              </a:spcAft>
-              <a:buNone/>
-            </a:pPr>
-            <a:endParaRPr>
-              <a:latin typeface="Antic Slab"/>
-              <a:ea typeface="Antic Slab"/>
-              <a:cs typeface="Antic Slab"/>
-              <a:sym typeface="Antic Slab"/>
-            </a:endParaRPr>
-          </a:p>
-        </p:txBody>
-      </p:sp>
-      <p:sp>
-        <p:nvSpPr>
-          <p:cNvPr id="2" name="Title 1"/>
-          <p:cNvSpPr/>
-          <p:nvPr>
-            <p:ph type="title"/>
-          </p:nvPr>
-        </p:nvSpPr>
-        <p:spPr/>
-        <p:txBody>
-          <a:bodyPr/>
-          <a:p>
-            <a:r>
-              <a:rPr lang="en-US"/>
-              <a:t>Accessing Files with User Permissions</a:t>
-            </a:r>
-            <a:endParaRPr lang="en-US"/>
-          </a:p>
-        </p:txBody>
-      </p:sp>
-      <p:sp>
-        <p:nvSpPr>
-          <p:cNvPr id="3" name="Text Placeholder 2"/>
-          <p:cNvSpPr/>
-          <p:nvPr>
-            <p:ph type="body" idx="1"/>
-          </p:nvPr>
-        </p:nvSpPr>
-        <p:spPr>
-          <a:xfrm>
-            <a:off x="1401445" y="2789555"/>
-            <a:ext cx="8284210" cy="3265805"/>
-          </a:xfrm>
-        </p:spPr>
-        <p:txBody>
-          <a:bodyPr/>
-          <a:p>
-            <a:pPr>
-              <a:lnSpc>
-                <a:spcPct val="150000"/>
-              </a:lnSpc>
-            </a:pPr>
-            <a:r>
-              <a:rPr lang="en-US"/>
-              <a:t>You can integrate file access with Supabase Auth to restrict access based on user roles.</a:t>
-            </a:r>
-            <a:endParaRPr lang="en-US"/>
-          </a:p>
-          <a:p>
-            <a:pPr lvl="1">
-              <a:lnSpc>
-                <a:spcPct val="150000"/>
-              </a:lnSpc>
-            </a:pPr>
-            <a:r>
-              <a:rPr lang="en-US"/>
-              <a:t>Example: Allow only logged-in users to view or download files.</a:t>
-            </a:r>
-            <a:endParaRPr lang="en-US"/>
-          </a:p>
-          <a:p>
-            <a:pPr lvl="1">
-              <a:lnSpc>
-                <a:spcPct val="150000"/>
-              </a:lnSpc>
-            </a:pPr>
-            <a:r>
-              <a:rPr lang="en-US"/>
-              <a:t>Combine Row-Level Security (RLS) policies with file access controls to further refine permissions.</a:t>
-            </a:r>
-            <a:endParaRPr lang="en-US"/>
-          </a:p>
-        </p:txBody>
-      </p:sp>
-      <p:sp>
-        <p:nvSpPr>
-          <p:cNvPr id="5" name="Text Box 4"/>
-          <p:cNvSpPr txBox="1"/>
-          <p:nvPr>
-            <p:custDataLst>
-              <p:tags r:id="rId2"/>
-            </p:custDataLst>
-          </p:nvPr>
-        </p:nvSpPr>
-        <p:spPr>
-          <a:xfrm rot="5400000">
-            <a:off x="-1236345" y="5244465"/>
-            <a:ext cx="2849880" cy="377190"/>
-          </a:xfrm>
-          <a:prstGeom prst="rect">
-            <a:avLst/>
-          </a:prstGeom>
-        </p:spPr>
-        <p:style>
-          <a:lnRef idx="2">
-            <a:schemeClr val="lt1"/>
-          </a:lnRef>
-          <a:fillRef idx="1">
-            <a:prstClr val="black"/>
-          </a:fillRef>
-          <a:effectRef idx="1">
-            <a:prstClr val="black"/>
-          </a:effectRef>
-          <a:fontRef idx="minor">
-            <a:schemeClr val="lt1"/>
-          </a:fontRef>
-        </p:style>
-        <p:txBody>
-          <a:bodyPr wrap="square" rtlCol="0">
-            <a:noAutofit/>
-          </a:bodyPr>
-          <a:p>
-            <a:pPr algn="ctr"/>
-            <a:r>
-              <a:rPr lang="en-US"/>
-              <a:t>joeshwoa.george@gmail.com</a:t>
-            </a:r>
-            <a:endParaRPr lang="en-US"/>
-          </a:p>
-        </p:txBody>
-      </p:sp>
-    </p:spTree>
-  </p:cSld>
-  <p:clrMapOvr>
-    <a:masterClrMapping/>
-  </p:clrMapOvr>
-</p:sld>
-</file>
-
-<file path=ppt/slides/slide24.xml><?xml version="1.0" encoding="utf-8"?>
+<file path=ppt/slides/slide21.xml><?xml version="1.0" encoding="utf-8"?>
 <p:sld xmlns:a="http://schemas.openxmlformats.org/drawingml/2006/main" xmlns:r="http://schemas.openxmlformats.org/officeDocument/2006/relationships" xmlns:p="http://schemas.openxmlformats.org/presentationml/2006/main">
   <p:cSld>
     <p:spTree>
@@ -20422,7 +19620,7 @@
 </p:sld>
 </file>
 
-<file path=ppt/slides/slide25.xml><?xml version="1.0" encoding="utf-8"?>
+<file path=ppt/slides/slide22.xml><?xml version="1.0" encoding="utf-8"?>
 <p:sld xmlns:a="http://schemas.openxmlformats.org/drawingml/2006/main" xmlns:r="http://schemas.openxmlformats.org/officeDocument/2006/relationships" xmlns:p="http://schemas.openxmlformats.org/presentationml/2006/main">
   <p:cSld>
     <p:spTree>
@@ -20545,37 +19743,26 @@
             </a:pPr>
             <a:r>
               <a:rPr lang="en-US">
-                <a:hlinkClick r:id="rId2" action="ppaction://hlinkfile">
-                  <a:extLst>
-                    <a:ext uri="{DAF060AB-1E55-43B9-8AAB-6FB025537F2F}">
-                      <wpsdc:hlinkClr xmlns:wpsdc="http://www.wps.cn/officeDocument/2017/drawingmlCustomData" val="00B050"/>
-                      <wpsdc:folHlinkClr xmlns:wpsdc="http://www.wps.cn/officeDocument/2017/drawingmlCustomData" val="3FCF99"/>
-                      <wpsdc:hlinkUnderline xmlns:wpsdc="http://www.wps.cn/officeDocument/2017/drawingmlCustomData" val="1"/>
-                    </a:ext>
-                  </a:extLst>
-                </a:hlinkClick>
+                <a:hlinkClick r:id="rId2" action="ppaction://hlinkfile"/>
               </a:rPr>
-              <a:t>supabase docs</a:t>
+              <a:t>MDN Web Docs - Regular Expressions</a:t>
             </a:r>
             <a:endParaRPr lang="en-US">
-              <a:hlinkClick r:id="rId2" action="ppaction://hlinkfile">
-                <a:extLst>
-                  <a:ext uri="{DAF060AB-1E55-43B9-8AAB-6FB025537F2F}">
-                    <wpsdc:hlinkClr xmlns:wpsdc="http://www.wps.cn/officeDocument/2017/drawingmlCustomData" val="00B050"/>
-                    <wpsdc:folHlinkClr xmlns:wpsdc="http://www.wps.cn/officeDocument/2017/drawingmlCustomData" val="3FCF99"/>
-                    <wpsdc:hlinkUnderline xmlns:wpsdc="http://www.wps.cn/officeDocument/2017/drawingmlCustomData" val="1"/>
-                  </a:ext>
-                </a:extLst>
-              </a:hlinkClick>
+              <a:hlinkClick r:id="rId2" action="ppaction://hlinkfile"/>
             </a:endParaRPr>
           </a:p>
           <a:p>
-            <a:pPr marL="107950" indent="0">
+            <a:pPr>
               <a:lnSpc>
                 <a:spcPct val="150000"/>
               </a:lnSpc>
-              <a:buNone/>
             </a:pPr>
+            <a:r>
+              <a:rPr lang="en-US">
+                <a:hlinkClick r:id="rId3" action="ppaction://hlinkfile"/>
+              </a:rPr>
+              <a:t>Regex101</a:t>
+            </a:r>
             <a:endParaRPr lang="en-US"/>
           </a:p>
         </p:txBody>
@@ -20586,7 +19773,7 @@
           <p:cNvSpPr txBox="1"/>
           <p:nvPr>
             <p:custDataLst>
-              <p:tags r:id="rId3"/>
+              <p:tags r:id="rId4"/>
             </p:custDataLst>
           </p:nvPr>
         </p:nvSpPr>
@@ -20635,7 +19822,7 @@
 </p:sld>
 </file>
 
-<file path=ppt/slides/slide26.xml><?xml version="1.0" encoding="utf-8"?>
+<file path=ppt/slides/slide23.xml><?xml version="1.0" encoding="utf-8"?>
 <p:sld xmlns:a="http://schemas.openxmlformats.org/drawingml/2006/main" xmlns:r="http://schemas.openxmlformats.org/officeDocument/2006/relationships" xmlns:p="http://schemas.openxmlformats.org/presentationml/2006/main">
   <p:cSld>
     <p:spTree>
@@ -20758,64 +19945,87 @@
             </a:pPr>
             <a:r>
               <a:rPr lang="en-US"/>
-              <a:t>Create a new bucket in your Supabase project.</a:t>
+              <a:t>Write regex to:</a:t>
             </a:r>
             <a:endParaRPr lang="en-US"/>
           </a:p>
           <a:p>
-            <a:pPr>
+            <a:pPr lvl="1">
               <a:lnSpc>
                 <a:spcPct val="150000"/>
               </a:lnSpc>
             </a:pPr>
             <a:r>
               <a:rPr lang="en-US"/>
-              <a:t>Upload an image file (e.g., a profile picture).</a:t>
+              <a:t>Validate Email Address</a:t>
             </a:r>
             <a:endParaRPr lang="en-US"/>
           </a:p>
           <a:p>
-            <a:pPr>
+            <a:pPr lvl="1">
               <a:lnSpc>
                 <a:spcPct val="150000"/>
               </a:lnSpc>
             </a:pPr>
             <a:r>
               <a:rPr lang="en-US"/>
-              <a:t>Explore the bucket via the dashboard and ensure the file is successfully uploaded.</a:t>
+              <a:t> Password Strength Checker (At least 8 characters long, Contains uppercase, lowercase, digit, and special character)</a:t>
             </a:r>
             <a:endParaRPr lang="en-US"/>
           </a:p>
           <a:p>
-            <a:pPr>
+            <a:pPr lvl="1">
               <a:lnSpc>
                 <a:spcPct val="150000"/>
               </a:lnSpc>
             </a:pPr>
             <a:r>
               <a:rPr lang="en-US"/>
-              <a:t>Retrieve and display an uploaded image in your app using the Supabase SDK.</a:t>
+              <a:t>Extracting URLs from a Text</a:t>
             </a:r>
             <a:endParaRPr lang="en-US"/>
           </a:p>
           <a:p>
-            <a:pPr>
+            <a:pPr lvl="1">
               <a:lnSpc>
                 <a:spcPct val="150000"/>
               </a:lnSpc>
             </a:pPr>
             <a:r>
               <a:rPr lang="en-US"/>
-              <a:t>List all files in a bucket and display their names and download links.</a:t>
+              <a:t>Find Duplicated Words</a:t>
             </a:r>
             <a:endParaRPr lang="en-US"/>
           </a:p>
           <a:p>
-            <a:pPr marL="107950" indent="0">
+            <a:pPr lvl="1">
               <a:lnSpc>
                 <a:spcPct val="150000"/>
               </a:lnSpc>
-              <a:buNone/>
+            </a:pPr>
+            <a:r>
+              <a:rPr lang="en-US"/>
+              <a:t>Extract IP addresses from a server log</a:t>
+            </a:r>
+            <a:endParaRPr lang="en-US"/>
+          </a:p>
+          <a:p>
+            <a:pPr lvl="1">
+              <a:lnSpc>
+                <a:spcPct val="150000"/>
+              </a:lnSpc>
+            </a:pPr>
+            <a:r>
+              <a:rPr lang="en-US"/>
+              <a:t>Extract Hashtags from a Social Media Post</a:t>
+            </a:r>
+            <a:endParaRPr lang="en-US"/>
+          </a:p>
+          <a:p>
+            <a:pPr lvl="1">
+              <a:lnSpc>
+                <a:spcPct val="150000"/>
+              </a:lnSpc>
             </a:pPr>
             <a:endParaRPr lang="en-US"/>
           </a:p>
@@ -20876,241 +20086,7 @@
 </p:sld>
 </file>
 
-<file path=ppt/slides/slide27.xml><?xml version="1.0" encoding="utf-8"?>
-<p:sld xmlns:a="http://schemas.openxmlformats.org/drawingml/2006/main" xmlns:r="http://schemas.openxmlformats.org/officeDocument/2006/relationships" xmlns:p="http://schemas.openxmlformats.org/presentationml/2006/main">
-  <p:cSld>
-    <p:spTree>
-      <p:nvGrpSpPr>
-        <p:cNvPr id="1" name=""/>
-        <p:cNvGrpSpPr/>
-        <p:nvPr/>
-      </p:nvGrpSpPr>
-      <p:grpSpPr/>
-      <p:sp>
-        <p:nvSpPr>
-          <p:cNvPr id="136" name="Google Shape;136;p19"/>
-          <p:cNvSpPr/>
-          <p:nvPr>
-            <p:custDataLst>
-              <p:tags r:id="rId1"/>
-            </p:custDataLst>
-          </p:nvPr>
-        </p:nvSpPr>
-        <p:spPr>
-          <a:xfrm>
-            <a:off x="1110585" y="1307323"/>
-            <a:ext cx="1262400" cy="1262400"/>
-          </a:xfrm>
-          <a:prstGeom prst="ellipse">
-            <a:avLst/>
-          </a:prstGeom>
-          <a:gradFill>
-            <a:gsLst>
-              <a:gs pos="0">
-                <a:srgbClr val="30C088"/>
-              </a:gs>
-              <a:gs pos="52999">
-                <a:srgbClr val="3FCF99"/>
-              </a:gs>
-              <a:gs pos="100000">
-                <a:srgbClr val="FFFFFF">
-                  <a:alpha val="1960"/>
-                </a:srgbClr>
-              </a:gs>
-            </a:gsLst>
-            <a:path path="circle">
-              <a:fillToRect l="50000" t="50000" r="50000" b="50000"/>
-            </a:path>
-            <a:tileRect/>
-          </a:gradFill>
-          <a:ln>
-            <a:noFill/>
-          </a:ln>
-        </p:spPr>
-        <p:txBody>
-          <a:bodyPr spcFirstLastPara="1" wrap="square" lIns="91425" tIns="91425" rIns="91425" bIns="91425" anchor="ctr" anchorCtr="0">
-            <a:noAutofit/>
-          </a:bodyPr>
-          <a:p>
-            <a:pPr marL="0" marR="0" lvl="0" indent="0" algn="ctr" rtl="0">
-              <a:lnSpc>
-                <a:spcPct val="100000"/>
-              </a:lnSpc>
-              <a:spcBef>
-                <a:spcPts val="0"/>
-              </a:spcBef>
-              <a:spcAft>
-                <a:spcPts val="0"/>
-              </a:spcAft>
-              <a:buNone/>
-            </a:pPr>
-            <a:endParaRPr>
-              <a:latin typeface="Antic Slab"/>
-              <a:ea typeface="Antic Slab"/>
-              <a:cs typeface="Antic Slab"/>
-              <a:sym typeface="Antic Slab"/>
-            </a:endParaRPr>
-          </a:p>
-        </p:txBody>
-      </p:sp>
-      <p:sp>
-        <p:nvSpPr>
-          <p:cNvPr id="2" name="Title 1"/>
-          <p:cNvSpPr/>
-          <p:nvPr>
-            <p:ph type="title"/>
-          </p:nvPr>
-        </p:nvSpPr>
-        <p:spPr/>
-        <p:txBody>
-          <a:bodyPr/>
-          <a:p>
-            <a:r>
-              <a:rPr lang="en-US">
-                <a:sym typeface="+mn-ea"/>
-              </a:rPr>
-              <a:t>Homework</a:t>
-            </a:r>
-            <a:endParaRPr lang="en-US"/>
-          </a:p>
-        </p:txBody>
-      </p:sp>
-      <p:sp>
-        <p:nvSpPr>
-          <p:cNvPr id="3" name="Text Placeholder 2"/>
-          <p:cNvSpPr/>
-          <p:nvPr>
-            <p:ph type="body" idx="1"/>
-          </p:nvPr>
-        </p:nvSpPr>
-        <p:spPr>
-          <a:xfrm>
-            <a:off x="1401445" y="2789555"/>
-            <a:ext cx="8284210" cy="3265805"/>
-          </a:xfrm>
-        </p:spPr>
-        <p:txBody>
-          <a:bodyPr/>
-          <a:p>
-            <a:pPr>
-              <a:lnSpc>
-                <a:spcPct val="150000"/>
-              </a:lnSpc>
-            </a:pPr>
-            <a:r>
-              <a:rPr lang="en-US">
-                <a:sym typeface="+mn-ea"/>
-              </a:rPr>
-              <a:t>Practice deleting a file</a:t>
-            </a:r>
-            <a:endParaRPr lang="en-US"/>
-          </a:p>
-          <a:p>
-            <a:pPr>
-              <a:lnSpc>
-                <a:spcPct val="150000"/>
-              </a:lnSpc>
-            </a:pPr>
-            <a:r>
-              <a:rPr lang="en-US"/>
-              <a:t>access files via the public URL.</a:t>
-            </a:r>
-            <a:endParaRPr lang="en-US"/>
-          </a:p>
-          <a:p>
-            <a:pPr>
-              <a:lnSpc>
-                <a:spcPct val="150000"/>
-              </a:lnSpc>
-            </a:pPr>
-            <a:r>
-              <a:rPr lang="en-US"/>
-              <a:t>Change the bucket to private and use signed URLs to provide temporary access to files.</a:t>
-            </a:r>
-            <a:endParaRPr lang="en-US"/>
-          </a:p>
-          <a:p>
-            <a:pPr>
-              <a:lnSpc>
-                <a:spcPct val="150000"/>
-              </a:lnSpc>
-            </a:pPr>
-            <a:r>
-              <a:rPr lang="en-US"/>
-              <a:t>Allow only logged-in users to upload and view files.</a:t>
-            </a:r>
-            <a:endParaRPr lang="en-US"/>
-          </a:p>
-          <a:p>
-            <a:pPr>
-              <a:lnSpc>
-                <a:spcPct val="150000"/>
-              </a:lnSpc>
-            </a:pPr>
-            <a:r>
-              <a:rPr lang="en-US"/>
-              <a:t>Restrict non-logged-in users from accessing certain resources.</a:t>
-            </a:r>
-            <a:endParaRPr lang="en-US"/>
-          </a:p>
-        </p:txBody>
-      </p:sp>
-      <p:sp>
-        <p:nvSpPr>
-          <p:cNvPr id="5" name="Text Box 4"/>
-          <p:cNvSpPr txBox="1"/>
-          <p:nvPr>
-            <p:custDataLst>
-              <p:tags r:id="rId2"/>
-            </p:custDataLst>
-          </p:nvPr>
-        </p:nvSpPr>
-        <p:spPr>
-          <a:xfrm rot="5400000">
-            <a:off x="-1236345" y="5244465"/>
-            <a:ext cx="2849880" cy="377190"/>
-          </a:xfrm>
-          <a:prstGeom prst="rect">
-            <a:avLst/>
-          </a:prstGeom>
-        </p:spPr>
-        <p:style>
-          <a:lnRef idx="2">
-            <a:schemeClr val="lt1"/>
-          </a:lnRef>
-          <a:fillRef idx="1">
-            <a:prstClr val="black"/>
-          </a:fillRef>
-          <a:effectRef idx="1">
-            <a:prstClr val="black"/>
-          </a:effectRef>
-          <a:fontRef idx="minor">
-            <a:schemeClr val="lt1"/>
-          </a:fontRef>
-        </p:style>
-        <p:txBody>
-          <a:bodyPr wrap="square" rtlCol="0">
-            <a:noAutofit/>
-          </a:bodyPr>
-          <a:p>
-            <a:pPr algn="ctr"/>
-            <a:r>
-              <a:rPr lang="en-US"/>
-              <a:t>joeshwoa.george@gmail.com</a:t>
-            </a:r>
-            <a:endParaRPr lang="en-US"/>
-          </a:p>
-        </p:txBody>
-      </p:sp>
-    </p:spTree>
-  </p:cSld>
-  <p:clrMapOvr>
-    <a:masterClrMapping/>
-  </p:clrMapOvr>
-</p:sld>
-</file>
-
-<file path=ppt/slides/slide28.xml><?xml version="1.0" encoding="utf-8"?>
+<file path=ppt/slides/slide24.xml><?xml version="1.0" encoding="utf-8"?>
 <p:sld xmlns:a="http://schemas.openxmlformats.org/drawingml/2006/main" xmlns:r="http://schemas.openxmlformats.org/officeDocument/2006/relationships" xmlns:p="http://schemas.openxmlformats.org/presentationml/2006/main">
   <p:cSld>
     <p:spTree>
@@ -21525,7 +20501,7 @@
 </p:sld>
 </file>
 
-<file path=ppt/slides/slide29.xml><?xml version="1.0" encoding="utf-8"?>
+<file path=ppt/slides/slide25.xml><?xml version="1.0" encoding="utf-8"?>
 <p:sld xmlns:a="http://schemas.openxmlformats.org/drawingml/2006/main" xmlns:r="http://schemas.openxmlformats.org/officeDocument/2006/relationships" xmlns:p="http://schemas.openxmlformats.org/presentationml/2006/main">
   <p:cSld>
     <p:spTree>
@@ -22031,7 +21007,7 @@
 </p:sld>
 </file>
 
-<file path=ppt/slides/slide3.xml><?xml version="1.0" encoding="utf-8"?>
+<file path=ppt/slides/slide26.xml><?xml version="1.0" encoding="utf-8"?>
 <p:sld xmlns:a="http://schemas.openxmlformats.org/drawingml/2006/main" xmlns:r="http://schemas.openxmlformats.org/officeDocument/2006/relationships" xmlns:p="http://schemas.openxmlformats.org/presentationml/2006/main">
   <p:cSld>
     <p:spTree>
@@ -22145,8 +21121,12 @@
               <a:buNone/>
             </a:pPr>
             <a:r>
-              <a:rPr sz="10000"/>
-              <a:t>Any questions?</a:t>
+              <a:rPr lang="en-US" altLang="en-GB" sz="10000"/>
+              <a:t>See you next session</a:t>
+            </a:r>
+            <a:r>
+              <a:rPr lang="en-GB" sz="10000"/>
+              <a:t>!</a:t>
             </a:r>
             <a:endParaRPr sz="10000"/>
           </a:p>
@@ -22329,309 +21309,7 @@
 </p:sld>
 </file>
 
-<file path=ppt/slides/slide30.xml><?xml version="1.0" encoding="utf-8"?>
-<p:sld xmlns:a="http://schemas.openxmlformats.org/drawingml/2006/main" xmlns:r="http://schemas.openxmlformats.org/officeDocument/2006/relationships" xmlns:p="http://schemas.openxmlformats.org/presentationml/2006/main">
-  <p:cSld>
-    <p:spTree>
-      <p:nvGrpSpPr>
-        <p:cNvPr id="272" name="Shape 272"/>
-        <p:cNvGrpSpPr/>
-        <p:nvPr/>
-      </p:nvGrpSpPr>
-      <p:grpSpPr>
-        <a:xfrm>
-          <a:off x="0" y="0"/>
-          <a:ext cx="0" cy="0"/>
-          <a:chOff x="0" y="0"/>
-          <a:chExt cx="0" cy="0"/>
-        </a:xfrm>
-      </p:grpSpPr>
-      <p:sp>
-        <p:nvSpPr>
-          <p:cNvPr id="273" name="Google Shape;273;p30"/>
-          <p:cNvSpPr/>
-          <p:nvPr/>
-        </p:nvSpPr>
-        <p:spPr>
-          <a:xfrm>
-            <a:off x="757700" y="1482829"/>
-            <a:ext cx="1704300" cy="1704300"/>
-          </a:xfrm>
-          <a:prstGeom prst="ellipse">
-            <a:avLst/>
-          </a:prstGeom>
-          <a:gradFill>
-            <a:gsLst>
-              <a:gs pos="0">
-                <a:schemeClr val="accent1"/>
-              </a:gs>
-              <a:gs pos="52999">
-                <a:schemeClr val="accent1"/>
-              </a:gs>
-              <a:gs pos="100000">
-                <a:srgbClr val="FFFFFF">
-                  <a:alpha val="1960"/>
-                </a:srgbClr>
-              </a:gs>
-            </a:gsLst>
-            <a:path path="circle">
-              <a:fillToRect l="50000" t="50000" r="50000" b="50000"/>
-            </a:path>
-            <a:tileRect/>
-          </a:gradFill>
-          <a:ln>
-            <a:noFill/>
-          </a:ln>
-        </p:spPr>
-        <p:txBody>
-          <a:bodyPr spcFirstLastPara="1" wrap="square" lIns="91425" tIns="91425" rIns="91425" bIns="91425" anchor="ctr" anchorCtr="0">
-            <a:noAutofit/>
-          </a:bodyPr>
-          <a:lstStyle/>
-          <a:p>
-            <a:pPr marL="0" marR="0" lvl="0" indent="0" algn="ctr" rtl="0">
-              <a:lnSpc>
-                <a:spcPct val="100000"/>
-              </a:lnSpc>
-              <a:spcBef>
-                <a:spcPts val="0"/>
-              </a:spcBef>
-              <a:spcAft>
-                <a:spcPts val="0"/>
-              </a:spcAft>
-              <a:buNone/>
-            </a:pPr>
-            <a:endParaRPr>
-              <a:latin typeface="Antic Slab"/>
-              <a:ea typeface="Antic Slab"/>
-              <a:cs typeface="Antic Slab"/>
-              <a:sym typeface="Antic Slab"/>
-            </a:endParaRPr>
-          </a:p>
-        </p:txBody>
-      </p:sp>
-      <p:sp>
-        <p:nvSpPr>
-          <p:cNvPr id="274" name="Google Shape;274;p30"/>
-          <p:cNvSpPr txBox="1"/>
-          <p:nvPr>
-            <p:ph type="title"/>
-          </p:nvPr>
-        </p:nvSpPr>
-        <p:spPr>
-          <a:xfrm>
-            <a:off x="511300" y="1949725"/>
-            <a:ext cx="11142300" cy="3160800"/>
-          </a:xfrm>
-          <a:prstGeom prst="rect">
-            <a:avLst/>
-          </a:prstGeom>
-        </p:spPr>
-        <p:txBody>
-          <a:bodyPr spcFirstLastPara="1" wrap="square" lIns="121900" tIns="121900" rIns="121900" bIns="121900" anchor="ctr" anchorCtr="0">
-            <a:noAutofit/>
-          </a:bodyPr>
-          <a:lstStyle/>
-          <a:p>
-            <a:pPr marL="0" lvl="0" indent="0" algn="ctr" rtl="0">
-              <a:spcBef>
-                <a:spcPts val="0"/>
-              </a:spcBef>
-              <a:spcAft>
-                <a:spcPts val="0"/>
-              </a:spcAft>
-              <a:buNone/>
-            </a:pPr>
-            <a:r>
-              <a:rPr lang="en-US" altLang="en-GB" sz="10000"/>
-              <a:t>See you next sesson</a:t>
-            </a:r>
-            <a:r>
-              <a:rPr lang="en-GB" sz="10000"/>
-              <a:t>!</a:t>
-            </a:r>
-            <a:endParaRPr sz="10000"/>
-          </a:p>
-        </p:txBody>
-      </p:sp>
-      <p:sp>
-        <p:nvSpPr>
-          <p:cNvPr id="275" name="Google Shape;275;p30"/>
-          <p:cNvSpPr txBox="1"/>
-          <p:nvPr>
-            <p:ph type="subTitle" idx="1"/>
-          </p:nvPr>
-        </p:nvSpPr>
-        <p:spPr>
-          <a:xfrm>
-            <a:off x="202350" y="6408400"/>
-            <a:ext cx="11787300" cy="381300"/>
-          </a:xfrm>
-          <a:prstGeom prst="rect">
-            <a:avLst/>
-          </a:prstGeom>
-        </p:spPr>
-        <p:txBody>
-          <a:bodyPr spcFirstLastPara="1" wrap="square" lIns="121900" tIns="121900" rIns="121900" bIns="121900" anchor="ctr" anchorCtr="0">
-            <a:noAutofit/>
-          </a:bodyPr>
-          <a:lstStyle/>
-          <a:p>
-            <a:pPr marL="0" lvl="0" indent="0" algn="ctr" rtl="0">
-              <a:spcBef>
-                <a:spcPts val="0"/>
-              </a:spcBef>
-              <a:spcAft>
-                <a:spcPts val="0"/>
-              </a:spcAft>
-              <a:buNone/>
-            </a:pPr>
-            <a:r>
-              <a:rPr lang="en-US" altLang="en-GB" sz="1000" b="0"/>
-              <a:t>Don;t forget study this section well and write your questions in note and i will answer it in live session.</a:t>
-            </a:r>
-            <a:endParaRPr lang="en-US" altLang="en-GB" sz="1000" b="0"/>
-          </a:p>
-        </p:txBody>
-      </p:sp>
-      <p:sp>
-        <p:nvSpPr>
-          <p:cNvPr id="117" name="Google Shape;117;p17"/>
-          <p:cNvSpPr/>
-          <p:nvPr>
-            <p:custDataLst>
-              <p:tags r:id="rId1"/>
-            </p:custDataLst>
-          </p:nvPr>
-        </p:nvSpPr>
-        <p:spPr>
-          <a:xfrm>
-            <a:off x="757555" y="1482725"/>
-            <a:ext cx="1704340" cy="1704340"/>
-          </a:xfrm>
-          <a:prstGeom prst="ellipse">
-            <a:avLst/>
-          </a:prstGeom>
-          <a:gradFill>
-            <a:gsLst>
-              <a:gs pos="0">
-                <a:schemeClr val="accent1">
-                  <a:lumMod val="5000"/>
-                  <a:lumOff val="95000"/>
-                </a:schemeClr>
-              </a:gs>
-              <a:gs pos="74000">
-                <a:srgbClr val="3FCF99"/>
-              </a:gs>
-              <a:gs pos="83000">
-                <a:schemeClr val="accent1">
-                  <a:lumMod val="45000"/>
-                  <a:lumOff val="55000"/>
-                </a:schemeClr>
-              </a:gs>
-              <a:gs pos="100000">
-                <a:schemeClr val="accent1">
-                  <a:lumMod val="30000"/>
-                  <a:lumOff val="70000"/>
-                </a:schemeClr>
-              </a:gs>
-            </a:gsLst>
-            <a:path path="circle">
-              <a:fillToRect r="100000" b="100000"/>
-            </a:path>
-            <a:tileRect l="-100000" t="-100000"/>
-          </a:gradFill>
-          <a:ln>
-            <a:noFill/>
-          </a:ln>
-        </p:spPr>
-        <p:txBody>
-          <a:bodyPr spcFirstLastPara="1" wrap="square" lIns="91425" tIns="91425" rIns="91425" bIns="91425" anchor="ctr" anchorCtr="0">
-            <a:noAutofit/>
-          </a:bodyPr>
-          <a:p>
-            <a:pPr marL="0" lvl="0" indent="0" algn="ctr" rtl="0">
-              <a:spcBef>
-                <a:spcPts val="0"/>
-              </a:spcBef>
-              <a:spcAft>
-                <a:spcPts val="0"/>
-              </a:spcAft>
-              <a:buNone/>
-            </a:pPr>
-            <a:endParaRPr>
-              <a:effectLst>
-                <a:glow rad="228600">
-                  <a:schemeClr val="accent4">
-                    <a:satMod val="175000"/>
-                    <a:alpha val="40000"/>
-                  </a:schemeClr>
-                </a:glow>
-              </a:effectLst>
-              <a:latin typeface="Antic Slab"/>
-              <a:ea typeface="Antic Slab"/>
-              <a:cs typeface="Antic Slab"/>
-              <a:sym typeface="Antic Slab"/>
-            </a:endParaRPr>
-          </a:p>
-        </p:txBody>
-      </p:sp>
-      <p:sp>
-        <p:nvSpPr>
-          <p:cNvPr id="5" name="Text Box 4"/>
-          <p:cNvSpPr txBox="1"/>
-          <p:nvPr>
-            <p:custDataLst>
-              <p:tags r:id="rId2"/>
-            </p:custDataLst>
-          </p:nvPr>
-        </p:nvSpPr>
-        <p:spPr>
-          <a:xfrm rot="5400000">
-            <a:off x="-1236345" y="5244465"/>
-            <a:ext cx="2849880" cy="377190"/>
-          </a:xfrm>
-          <a:prstGeom prst="rect">
-            <a:avLst/>
-          </a:prstGeom>
-        </p:spPr>
-        <p:style>
-          <a:lnRef idx="2">
-            <a:schemeClr val="lt1"/>
-          </a:lnRef>
-          <a:fillRef idx="1">
-            <a:prstClr val="black"/>
-          </a:fillRef>
-          <a:effectRef idx="1">
-            <a:prstClr val="black"/>
-          </a:effectRef>
-          <a:fontRef idx="minor">
-            <a:schemeClr val="lt1"/>
-          </a:fontRef>
-        </p:style>
-        <p:txBody>
-          <a:bodyPr wrap="square" rtlCol="0">
-            <a:noAutofit/>
-          </a:bodyPr>
-          <a:p>
-            <a:pPr algn="ctr"/>
-            <a:r>
-              <a:rPr lang="en-US"/>
-              <a:t>joeshwoa.george@gmail.com</a:t>
-            </a:r>
-            <a:endParaRPr lang="en-US"/>
-          </a:p>
-        </p:txBody>
-      </p:sp>
-    </p:spTree>
-  </p:cSld>
-  <p:clrMapOvr>
-    <a:masterClrMapping/>
-  </p:clrMapOvr>
-</p:sld>
-</file>
-
-<file path=ppt/slides/slide31.xml><?xml version="1.0" encoding="utf-8"?>
+<file path=ppt/slides/slide27.xml><?xml version="1.0" encoding="utf-8"?>
 <p:sld xmlns:a="http://schemas.openxmlformats.org/drawingml/2006/main" xmlns:r="http://schemas.openxmlformats.org/officeDocument/2006/relationships" xmlns:p="http://schemas.openxmlformats.org/presentationml/2006/main">
   <p:cSld>
     <p:spTree>
@@ -23211,12 +21889,12 @@
 </p:sld>
 </file>
 
-<file path=ppt/slides/slide4.xml><?xml version="1.0" encoding="utf-8"?>
+<file path=ppt/slides/slide3.xml><?xml version="1.0" encoding="utf-8"?>
 <p:sld xmlns:a="http://schemas.openxmlformats.org/drawingml/2006/main" xmlns:r="http://schemas.openxmlformats.org/officeDocument/2006/relationships" xmlns:p="http://schemas.openxmlformats.org/presentationml/2006/main">
   <p:cSld>
     <p:spTree>
       <p:nvGrpSpPr>
-        <p:cNvPr id="132" name="Shape 132"/>
+        <p:cNvPr id="272" name="Shape 272"/>
         <p:cNvGrpSpPr/>
         <p:nvPr/>
       </p:nvGrpSpPr>
@@ -23230,14 +21908,14 @@
       </p:grpSpPr>
       <p:sp>
         <p:nvSpPr>
-          <p:cNvPr id="133" name="Google Shape;133;p19"/>
+          <p:cNvPr id="273" name="Google Shape;273;p30"/>
           <p:cNvSpPr/>
           <p:nvPr/>
         </p:nvSpPr>
         <p:spPr>
           <a:xfrm>
-            <a:off x="6344850" y="3814938"/>
-            <a:ext cx="1262400" cy="1262400"/>
+            <a:off x="757700" y="1482829"/>
+            <a:ext cx="1704300" cy="1704300"/>
           </a:xfrm>
           <a:prstGeom prst="ellipse">
             <a:avLst/>
@@ -23294,13 +21972,247 @@
       </p:sp>
       <p:sp>
         <p:nvSpPr>
-          <p:cNvPr id="135" name="Google Shape;135;p19"/>
+          <p:cNvPr id="274" name="Google Shape;274;p30"/>
+          <p:cNvSpPr txBox="1"/>
+          <p:nvPr>
+            <p:ph type="title"/>
+          </p:nvPr>
+        </p:nvSpPr>
+        <p:spPr>
+          <a:xfrm>
+            <a:off x="511300" y="1949725"/>
+            <a:ext cx="11142300" cy="3160800"/>
+          </a:xfrm>
+          <a:prstGeom prst="rect">
+            <a:avLst/>
+          </a:prstGeom>
+        </p:spPr>
+        <p:txBody>
+          <a:bodyPr spcFirstLastPara="1" wrap="square" lIns="121900" tIns="121900" rIns="121900" bIns="121900" anchor="ctr" anchorCtr="0">
+            <a:noAutofit/>
+          </a:bodyPr>
+          <a:lstStyle/>
+          <a:p>
+            <a:pPr marL="0" lvl="0" indent="0" algn="ctr" rtl="0">
+              <a:spcBef>
+                <a:spcPts val="0"/>
+              </a:spcBef>
+              <a:spcAft>
+                <a:spcPts val="0"/>
+              </a:spcAft>
+              <a:buNone/>
+            </a:pPr>
+            <a:r>
+              <a:rPr sz="10000"/>
+              <a:t>Any questions?</a:t>
+            </a:r>
+            <a:endParaRPr sz="10000"/>
+          </a:p>
+        </p:txBody>
+      </p:sp>
+      <p:sp>
+        <p:nvSpPr>
+          <p:cNvPr id="275" name="Google Shape;275;p30"/>
+          <p:cNvSpPr txBox="1"/>
+          <p:nvPr>
+            <p:ph type="subTitle" idx="1"/>
+          </p:nvPr>
+        </p:nvSpPr>
+        <p:spPr>
+          <a:xfrm>
+            <a:off x="202350" y="6408400"/>
+            <a:ext cx="11787300" cy="381300"/>
+          </a:xfrm>
+          <a:prstGeom prst="rect">
+            <a:avLst/>
+          </a:prstGeom>
+        </p:spPr>
+        <p:txBody>
+          <a:bodyPr spcFirstLastPara="1" wrap="square" lIns="121900" tIns="121900" rIns="121900" bIns="121900" anchor="ctr" anchorCtr="0">
+            <a:noAutofit/>
+          </a:bodyPr>
+          <a:lstStyle/>
+          <a:p>
+            <a:pPr marL="0" lvl="0" indent="0" algn="ctr" rtl="0">
+              <a:spcBef>
+                <a:spcPts val="0"/>
+              </a:spcBef>
+              <a:spcAft>
+                <a:spcPts val="0"/>
+              </a:spcAft>
+              <a:buNone/>
+            </a:pPr>
+            <a:r>
+              <a:rPr lang="en-US" altLang="en-GB" sz="1000" b="0"/>
+              <a:t>Don;t forget study this section well and write your questions in note and i will answer it in live session.</a:t>
+            </a:r>
+            <a:endParaRPr lang="en-US" altLang="en-GB" sz="1000" b="0"/>
+          </a:p>
+        </p:txBody>
+      </p:sp>
+      <p:sp>
+        <p:nvSpPr>
+          <p:cNvPr id="117" name="Google Shape;117;p17"/>
+          <p:cNvSpPr/>
+          <p:nvPr>
+            <p:custDataLst>
+              <p:tags r:id="rId1"/>
+            </p:custDataLst>
+          </p:nvPr>
+        </p:nvSpPr>
+        <p:spPr>
+          <a:xfrm>
+            <a:off x="757555" y="1482725"/>
+            <a:ext cx="1704340" cy="1704340"/>
+          </a:xfrm>
+          <a:prstGeom prst="ellipse">
+            <a:avLst/>
+          </a:prstGeom>
+          <a:gradFill>
+            <a:gsLst>
+              <a:gs pos="0">
+                <a:schemeClr val="accent1">
+                  <a:lumMod val="5000"/>
+                  <a:lumOff val="95000"/>
+                </a:schemeClr>
+              </a:gs>
+              <a:gs pos="74000">
+                <a:srgbClr val="3FCF99"/>
+              </a:gs>
+              <a:gs pos="83000">
+                <a:schemeClr val="accent1">
+                  <a:lumMod val="45000"/>
+                  <a:lumOff val="55000"/>
+                </a:schemeClr>
+              </a:gs>
+              <a:gs pos="100000">
+                <a:schemeClr val="accent1">
+                  <a:lumMod val="30000"/>
+                  <a:lumOff val="70000"/>
+                </a:schemeClr>
+              </a:gs>
+            </a:gsLst>
+            <a:path path="circle">
+              <a:fillToRect r="100000" b="100000"/>
+            </a:path>
+            <a:tileRect l="-100000" t="-100000"/>
+          </a:gradFill>
+          <a:ln>
+            <a:noFill/>
+          </a:ln>
+        </p:spPr>
+        <p:txBody>
+          <a:bodyPr spcFirstLastPara="1" wrap="square" lIns="91425" tIns="91425" rIns="91425" bIns="91425" anchor="ctr" anchorCtr="0">
+            <a:noAutofit/>
+          </a:bodyPr>
+          <a:p>
+            <a:pPr marL="0" lvl="0" indent="0" algn="ctr" rtl="0">
+              <a:spcBef>
+                <a:spcPts val="0"/>
+              </a:spcBef>
+              <a:spcAft>
+                <a:spcPts val="0"/>
+              </a:spcAft>
+              <a:buNone/>
+            </a:pPr>
+            <a:endParaRPr>
+              <a:effectLst>
+                <a:glow rad="228600">
+                  <a:schemeClr val="accent4">
+                    <a:satMod val="175000"/>
+                    <a:alpha val="40000"/>
+                  </a:schemeClr>
+                </a:glow>
+              </a:effectLst>
+              <a:latin typeface="Antic Slab"/>
+              <a:ea typeface="Antic Slab"/>
+              <a:cs typeface="Antic Slab"/>
+              <a:sym typeface="Antic Slab"/>
+            </a:endParaRPr>
+          </a:p>
+        </p:txBody>
+      </p:sp>
+      <p:sp>
+        <p:nvSpPr>
+          <p:cNvPr id="5" name="Text Box 4"/>
+          <p:cNvSpPr txBox="1"/>
+          <p:nvPr>
+            <p:custDataLst>
+              <p:tags r:id="rId2"/>
+            </p:custDataLst>
+          </p:nvPr>
+        </p:nvSpPr>
+        <p:spPr>
+          <a:xfrm rot="5400000">
+            <a:off x="-1236345" y="5244465"/>
+            <a:ext cx="2849880" cy="377190"/>
+          </a:xfrm>
+          <a:prstGeom prst="rect">
+            <a:avLst/>
+          </a:prstGeom>
+        </p:spPr>
+        <p:style>
+          <a:lnRef idx="2">
+            <a:schemeClr val="lt1"/>
+          </a:lnRef>
+          <a:fillRef idx="1">
+            <a:prstClr val="black"/>
+          </a:fillRef>
+          <a:effectRef idx="1">
+            <a:prstClr val="black"/>
+          </a:effectRef>
+          <a:fontRef idx="minor">
+            <a:schemeClr val="lt1"/>
+          </a:fontRef>
+        </p:style>
+        <p:txBody>
+          <a:bodyPr wrap="square" rtlCol="0">
+            <a:noAutofit/>
+          </a:bodyPr>
+          <a:p>
+            <a:pPr algn="ctr"/>
+            <a:r>
+              <a:rPr lang="en-US"/>
+              <a:t>joeshwoa.george@gmail.com</a:t>
+            </a:r>
+            <a:endParaRPr lang="en-US"/>
+          </a:p>
+        </p:txBody>
+      </p:sp>
+    </p:spTree>
+  </p:cSld>
+  <p:clrMapOvr>
+    <a:masterClrMapping/>
+  </p:clrMapOvr>
+</p:sld>
+</file>
+
+<file path=ppt/slides/slide4.xml><?xml version="1.0" encoding="utf-8"?>
+<p:sld xmlns:a="http://schemas.openxmlformats.org/drawingml/2006/main" xmlns:r="http://schemas.openxmlformats.org/officeDocument/2006/relationships" xmlns:p="http://schemas.openxmlformats.org/presentationml/2006/main">
+  <p:cSld>
+    <p:spTree>
+      <p:nvGrpSpPr>
+        <p:cNvPr id="132" name="Shape 132"/>
+        <p:cNvGrpSpPr/>
+        <p:nvPr/>
+      </p:nvGrpSpPr>
+      <p:grpSpPr>
+        <a:xfrm>
+          <a:off x="0" y="0"/>
+          <a:ext cx="0" cy="0"/>
+          <a:chOff x="0" y="0"/>
+          <a:chExt cx="0" cy="0"/>
+        </a:xfrm>
+      </p:grpSpPr>
+      <p:sp>
+        <p:nvSpPr>
+          <p:cNvPr id="133" name="Google Shape;133;p19"/>
           <p:cNvSpPr/>
           <p:nvPr/>
         </p:nvSpPr>
         <p:spPr>
           <a:xfrm>
-            <a:off x="2157700" y="3814938"/>
+            <a:off x="6344850" y="3814938"/>
             <a:ext cx="1262400" cy="1262400"/>
           </a:xfrm>
           <a:prstGeom prst="ellipse">
@@ -23358,6 +22270,70 @@
       </p:sp>
       <p:sp>
         <p:nvSpPr>
+          <p:cNvPr id="135" name="Google Shape;135;p19"/>
+          <p:cNvSpPr/>
+          <p:nvPr/>
+        </p:nvSpPr>
+        <p:spPr>
+          <a:xfrm>
+            <a:off x="2157700" y="3814938"/>
+            <a:ext cx="1262400" cy="1262400"/>
+          </a:xfrm>
+          <a:prstGeom prst="ellipse">
+            <a:avLst/>
+          </a:prstGeom>
+          <a:gradFill>
+            <a:gsLst>
+              <a:gs pos="0">
+                <a:schemeClr val="accent1"/>
+              </a:gs>
+              <a:gs pos="52999">
+                <a:schemeClr val="accent1"/>
+              </a:gs>
+              <a:gs pos="100000">
+                <a:srgbClr val="FFFFFF">
+                  <a:alpha val="1960"/>
+                </a:srgbClr>
+              </a:gs>
+            </a:gsLst>
+            <a:path path="circle">
+              <a:fillToRect l="50000" t="50000" r="50000" b="50000"/>
+            </a:path>
+            <a:tileRect/>
+          </a:gradFill>
+          <a:ln>
+            <a:noFill/>
+          </a:ln>
+        </p:spPr>
+        <p:txBody>
+          <a:bodyPr spcFirstLastPara="1" wrap="square" lIns="91425" tIns="91425" rIns="91425" bIns="91425" anchor="ctr" anchorCtr="0">
+            <a:noAutofit/>
+          </a:bodyPr>
+          <a:lstStyle/>
+          <a:p>
+            <a:pPr marL="0" marR="0" lvl="0" indent="0" algn="ctr" rtl="0">
+              <a:lnSpc>
+                <a:spcPct val="100000"/>
+              </a:lnSpc>
+              <a:spcBef>
+                <a:spcPts val="0"/>
+              </a:spcBef>
+              <a:spcAft>
+                <a:spcPts val="0"/>
+              </a:spcAft>
+              <a:buNone/>
+            </a:pPr>
+            <a:endParaRPr>
+              <a:latin typeface="Antic Slab"/>
+              <a:ea typeface="Antic Slab"/>
+              <a:cs typeface="Antic Slab"/>
+              <a:sym typeface="Antic Slab"/>
+            </a:endParaRPr>
+          </a:p>
+        </p:txBody>
+      </p:sp>
+      <p:sp>
+        <p:nvSpPr>
           <p:cNvPr id="2" name="Google Shape;136;p19"/>
           <p:cNvSpPr/>
           <p:nvPr>
@@ -23627,7 +22603,7 @@
               <a:buNone/>
             </a:pPr>
             <a:r>
-              <a:t>What is Supabase Storage?</a:t>
+              <a:t>What is a Regular Expression?</a:t>
             </a:r>
           </a:p>
         </p:txBody>
@@ -23664,9 +22640,6 @@
               </a:spcAft>
               <a:buNone/>
             </a:pPr>
-            <a:r>
-              <a:t>Uploading Files via Supabase Dashboard</a:t>
-            </a:r>
           </a:p>
         </p:txBody>
       </p:sp>
@@ -23816,7 +22789,7 @@
             </a:pPr>
             <a:r>
               <a:rPr sz="2400"/>
-              <a:t>Introduction to Supabase Storage</a:t>
+              <a:t>Introduction to Regular Expressions</a:t>
             </a:r>
             <a:endParaRPr sz="2400"/>
           </a:p>
@@ -23858,7 +22831,7 @@
               <a:rPr lang="en-US" altLang="en-GB" sz="2400">
                 <a:sym typeface="+mn-ea"/>
               </a:rPr>
-              <a:t>Uploading Files to Supabase Storage</a:t>
+              <a:t>Basic Components of Regex</a:t>
             </a:r>
             <a:endParaRPr lang="en-US" altLang="en-GB" sz="2400">
               <a:sym typeface="+mn-ea"/>
@@ -23938,17 +22911,6 @@
               </a:spcAft>
               <a:buNone/>
             </a:pPr>
-            <a:r>
-              <a:t>Downloading</a:t>
-            </a:r>
-            <a:r>
-              <a:rPr lang="en-US"/>
-              <a:t>, Deleting, Listing and Managing </a:t>
-            </a:r>
-            <a:r>
-              <a:t>Files</a:t>
-            </a:r>
-            <a:endParaRPr lang="en-US"/>
           </a:p>
         </p:txBody>
       </p:sp>
@@ -23985,10 +22947,10 @@
               <a:buNone/>
             </a:pPr>
             <a:r>
-              <a:rPr lang="en-US" altLang="en-GB" sz="2400"/>
-              <a:t>Downloading and Managing Files</a:t>
+              <a:rPr lang="en-US" altLang="en-GB" sz="2000"/>
+              <a:t>Advanced Practices and Wrapping Up</a:t>
             </a:r>
-            <a:endParaRPr lang="en-US" altLang="en-GB" sz="2400"/>
+            <a:endParaRPr lang="en-US" altLang="en-GB" sz="2000"/>
           </a:p>
         </p:txBody>
       </p:sp>
@@ -24486,8 +23448,22 @@
               <a:rPr>
                 <a:sym typeface="+mn-ea"/>
               </a:rPr>
-              <a:t>What is Supabase Storage?</a:t>
+              <a:t>What is a Regular Expression?</a:t>
             </a:r>
+            <a:endParaRPr>
+              <a:sym typeface="+mn-ea"/>
+            </a:endParaRPr>
+          </a:p>
+          <a:p>
+            <a:pPr marL="0" lvl="0" indent="0" algn="ctr" rtl="0">
+              <a:spcBef>
+                <a:spcPts val="0"/>
+              </a:spcBef>
+              <a:spcAft>
+                <a:spcPts val="0"/>
+              </a:spcAft>
+              <a:buNone/>
+            </a:pPr>
             <a:endParaRPr>
               <a:sym typeface="+mn-ea"/>
             </a:endParaRPr>
@@ -24530,7 +23506,7 @@
               <a:rPr>
                 <a:sym typeface="+mn-ea"/>
               </a:rPr>
-              <a:t>Introduction to Supabase Storage</a:t>
+              <a:t>Introduction to Regular Expressions</a:t>
             </a:r>
             <a:r>
               <a:rPr lang="en-GB"/>
@@ -24835,7 +23811,7 @@
               <a:rPr>
                 <a:sym typeface="+mn-ea"/>
               </a:rPr>
-              <a:t>What is Supabase Storage?</a:t>
+              <a:t>What is a Regular Expression?</a:t>
             </a:r>
             <a:endParaRPr>
               <a:sym typeface="+mn-ea"/>
@@ -24879,7 +23855,7 @@
             </a:pPr>
             <a:r>
               <a:rPr lang="en-US" altLang="en-GB"/>
-              <a:t>Supabase Storage is a scalable object storage service built directly into Supabase, allowing you to upload, store, and manage files such as images, videos, and documents.</a:t>
+              <a:t>A sequence of characters that forms a search pattern.</a:t>
             </a:r>
             <a:endParaRPr lang="en-US" altLang="en-GB"/>
           </a:p>
@@ -24897,41 +23873,8 @@
             </a:pPr>
             <a:r>
               <a:rPr lang="en-US" altLang="en-GB"/>
-              <a:t>It integrates seamlessly with Supabase Auth and database services, making it easy to manage permissions and file access control.</a:t>
+              <a:t>Used for pattern matching within strings, validation, extraction, and search-and-replace operations.</a:t>
             </a:r>
-            <a:endParaRPr lang="en-US" altLang="en-GB"/>
-          </a:p>
-          <a:p>
-            <a:pPr marL="800100" lvl="1" indent="-342900" algn="l" rtl="0">
-              <a:lnSpc>
-                <a:spcPct val="150000"/>
-              </a:lnSpc>
-              <a:spcBef>
-                <a:spcPts val="0"/>
-              </a:spcBef>
-              <a:spcAft>
-                <a:spcPts val="0"/>
-              </a:spcAft>
-            </a:pPr>
-            <a:r>
-              <a:rPr lang="en-US" altLang="en-GB"/>
-              <a:t>Buckets: Organizational units for storing files.</a:t>
-            </a:r>
-            <a:endParaRPr lang="en-US" altLang="en-GB"/>
-          </a:p>
-          <a:p>
-            <a:pPr marL="457200" lvl="1" indent="0" algn="l" rtl="0">
-              <a:lnSpc>
-                <a:spcPct val="150000"/>
-              </a:lnSpc>
-              <a:spcBef>
-                <a:spcPts val="0"/>
-              </a:spcBef>
-              <a:spcAft>
-                <a:spcPts val="0"/>
-              </a:spcAft>
-              <a:buNone/>
-            </a:pPr>
             <a:endParaRPr lang="en-US" altLang="en-GB"/>
           </a:p>
         </p:txBody>
@@ -25175,7 +24118,7 @@
               <a:rPr>
                 <a:sym typeface="+mn-ea"/>
               </a:rPr>
-              <a:t>What is Supabase Storage?</a:t>
+              <a:t>Basic Syntax Overview</a:t>
             </a:r>
             <a:endParaRPr>
               <a:sym typeface="+mn-ea"/>
@@ -25206,7 +24149,7 @@
           </a:bodyPr>
           <a:lstStyle/>
           <a:p>
-            <a:pPr marL="800100" lvl="1" indent="-342900" algn="l" rtl="0">
+            <a:pPr marL="342900" lvl="0" indent="-342900" algn="l" rtl="0">
               <a:lnSpc>
                 <a:spcPct val="150000"/>
               </a:lnSpc>
@@ -25218,10 +24161,58 @@
               </a:spcAft>
             </a:pPr>
             <a:r>
-              <a:rPr lang="en-US" altLang="en-GB"/>
-              <a:t>File management: Uploading, downloading, deleting, and listing files.</a:t>
+              <a:rPr lang="en-US" altLang="en-GB">
+                <a:sym typeface="+mn-ea"/>
+              </a:rPr>
+              <a:t>Literals: Exact characters ("hello").</a:t>
             </a:r>
-            <a:endParaRPr lang="en-US" altLang="en-GB"/>
+            <a:endParaRPr lang="en-US" altLang="en-GB">
+              <a:sym typeface="+mn-ea"/>
+            </a:endParaRPr>
+          </a:p>
+          <a:p>
+            <a:pPr marL="342900" lvl="0" indent="-342900" algn="l" rtl="0">
+              <a:lnSpc>
+                <a:spcPct val="150000"/>
+              </a:lnSpc>
+              <a:spcBef>
+                <a:spcPts val="0"/>
+              </a:spcBef>
+              <a:spcAft>
+                <a:spcPts val="0"/>
+              </a:spcAft>
+            </a:pPr>
+            <a:r>
+              <a:rPr lang="en-US" altLang="en-GB">
+                <a:sym typeface="+mn-ea"/>
+              </a:rPr>
+              <a:t>Metacharacters: Special characters like . (wildcard), ^ (start of string), $ (end of string).</a:t>
+            </a:r>
+            <a:endParaRPr lang="en-US" altLang="en-GB">
+              <a:sym typeface="+mn-ea"/>
+            </a:endParaRPr>
+          </a:p>
+          <a:p>
+            <a:pPr marL="342900" lvl="0" indent="-342900" algn="l" rtl="0">
+              <a:lnSpc>
+                <a:spcPct val="150000"/>
+              </a:lnSpc>
+              <a:spcBef>
+                <a:spcPts val="0"/>
+              </a:spcBef>
+              <a:spcAft>
+                <a:spcPts val="0"/>
+              </a:spcAft>
+            </a:pPr>
+            <a:r>
+              <a:rPr lang="en-US" altLang="en-GB">
+                <a:sym typeface="+mn-ea"/>
+              </a:rPr>
+              <a:t>Flags:</a:t>
+            </a:r>
+            <a:endParaRPr lang="en-US" altLang="en-GB">
+              <a:sym typeface="+mn-ea"/>
+            </a:endParaRPr>
           </a:p>
           <a:p>
             <a:pPr marL="800100" lvl="1" indent="-342900" algn="l" rtl="0">
@@ -25236,10 +24227,14 @@
               </a:spcAft>
             </a:pPr>
             <a:r>
-              <a:rPr lang="en-US" altLang="en-GB"/>
-              <a:t>Access control: Define who can access files (public or private).</a:t>
+              <a:rPr lang="en-US" altLang="en-GB">
+                <a:sym typeface="+mn-ea"/>
+              </a:rPr>
+              <a:t>g (global) - find all matches rather than stopping after the first match.</a:t>
             </a:r>
-            <a:endParaRPr lang="en-US" altLang="en-GB"/>
+            <a:endParaRPr lang="en-US" altLang="en-GB">
+              <a:sym typeface="+mn-ea"/>
+            </a:endParaRPr>
           </a:p>
           <a:p>
             <a:pPr marL="800100" lvl="1" indent="-342900" algn="l" rtl="0">
@@ -25254,10 +24249,36 @@
               </a:spcAft>
             </a:pPr>
             <a:r>
-              <a:rPr lang="en-US" altLang="en-GB"/>
-              <a:t>Integration with Auth: Restrict file access based on user roles or authentication status.</a:t>
+              <a:rPr lang="en-US" altLang="en-GB">
+                <a:sym typeface="+mn-ea"/>
+              </a:rPr>
+              <a:t>i (case-insensitive) - match both upper and lower cases.</a:t>
             </a:r>
-            <a:endParaRPr lang="en-US" altLang="en-GB"/>
+            <a:endParaRPr lang="en-US" altLang="en-GB">
+              <a:sym typeface="+mn-ea"/>
+            </a:endParaRPr>
+          </a:p>
+          <a:p>
+            <a:pPr marL="800100" lvl="1" indent="-342900" algn="l" rtl="0">
+              <a:lnSpc>
+                <a:spcPct val="150000"/>
+              </a:lnSpc>
+              <a:spcBef>
+                <a:spcPts val="0"/>
+              </a:spcBef>
+              <a:spcAft>
+                <a:spcPts val="0"/>
+              </a:spcAft>
+            </a:pPr>
+            <a:r>
+              <a:rPr lang="en-US" altLang="en-GB">
+                <a:sym typeface="+mn-ea"/>
+              </a:rPr>
+              <a:t>m (multi-line) - multiline matching.</a:t>
+            </a:r>
+            <a:endParaRPr lang="en-US" altLang="en-GB">
+              <a:sym typeface="+mn-ea"/>
+            </a:endParaRPr>
           </a:p>
         </p:txBody>
       </p:sp>
@@ -25500,7 +24521,7 @@
               <a:rPr>
                 <a:sym typeface="+mn-ea"/>
               </a:rPr>
-              <a:t>Use Cases for Supabase Storage</a:t>
+              <a:t>Creating Regular Expressions in JavaScript</a:t>
             </a:r>
             <a:endParaRPr>
               <a:sym typeface="+mn-ea"/>
@@ -25531,6 +24552,57 @@
           </a:bodyPr>
           <a:lstStyle/>
           <a:p>
+            <a:pPr marL="0" lvl="0" indent="0" algn="l" rtl="0">
+              <a:lnSpc>
+                <a:spcPct val="150000"/>
+              </a:lnSpc>
+              <a:spcBef>
+                <a:spcPts val="0"/>
+              </a:spcBef>
+              <a:spcAft>
+                <a:spcPts val="0"/>
+              </a:spcAft>
+              <a:buNone/>
+            </a:pPr>
+            <a:endParaRPr lang="en-US" altLang="en-GB">
+              <a:sym typeface="+mn-ea"/>
+            </a:endParaRPr>
+          </a:p>
+          <a:p>
+            <a:pPr marL="0" lvl="0" indent="0" algn="l" rtl="0">
+              <a:lnSpc>
+                <a:spcPct val="150000"/>
+              </a:lnSpc>
+              <a:spcBef>
+                <a:spcPts val="0"/>
+              </a:spcBef>
+              <a:spcAft>
+                <a:spcPts val="0"/>
+              </a:spcAft>
+              <a:buNone/>
+            </a:pPr>
+            <a:endParaRPr lang="en-US" altLang="en-GB">
+              <a:sym typeface="+mn-ea"/>
+            </a:endParaRPr>
+          </a:p>
+          <a:p>
+            <a:pPr marL="0" lvl="0" indent="0" algn="l" rtl="0">
+              <a:lnSpc>
+                <a:spcPct val="150000"/>
+              </a:lnSpc>
+              <a:spcBef>
+                <a:spcPts val="0"/>
+              </a:spcBef>
+              <a:spcAft>
+                <a:spcPts val="0"/>
+              </a:spcAft>
+              <a:buNone/>
+            </a:pPr>
+            <a:endParaRPr lang="en-US" altLang="en-GB">
+              <a:sym typeface="+mn-ea"/>
+            </a:endParaRPr>
+          </a:p>
+          <a:p>
             <a:pPr marL="342900" lvl="0" indent="-342900" algn="l" rtl="0">
               <a:lnSpc>
                 <a:spcPct val="150000"/>
@@ -25546,7 +24618,7 @@
               <a:rPr lang="en-US" altLang="en-GB">
                 <a:sym typeface="+mn-ea"/>
               </a:rPr>
-              <a:t>Profile picture uploads.</a:t>
+              <a:t>Basic Regex Example:</a:t>
             </a:r>
             <a:endParaRPr lang="en-US" altLang="en-GB">
               <a:sym typeface="+mn-ea"/>
@@ -25564,56 +24636,6 @@
                 <a:spcPts val="0"/>
               </a:spcAft>
             </a:pPr>
-            <a:r>
-              <a:rPr lang="en-US" altLang="en-GB">
-                <a:sym typeface="+mn-ea"/>
-              </a:rPr>
-              <a:t>Document management systems.</a:t>
-            </a:r>
-            <a:endParaRPr lang="en-US" altLang="en-GB">
-              <a:sym typeface="+mn-ea"/>
-            </a:endParaRPr>
-          </a:p>
-          <a:p>
-            <a:pPr marL="342900" lvl="0" indent="-342900" algn="l" rtl="0">
-              <a:lnSpc>
-                <a:spcPct val="150000"/>
-              </a:lnSpc>
-              <a:spcBef>
-                <a:spcPts val="0"/>
-              </a:spcBef>
-              <a:spcAft>
-                <a:spcPts val="0"/>
-              </a:spcAft>
-            </a:pPr>
-            <a:r>
-              <a:rPr lang="en-US" altLang="en-GB">
-                <a:sym typeface="+mn-ea"/>
-              </a:rPr>
-              <a:t>Media-heavy apps (images, videos, etc.).</a:t>
-            </a:r>
-            <a:endParaRPr lang="en-US" altLang="en-GB">
-              <a:sym typeface="+mn-ea"/>
-            </a:endParaRPr>
-          </a:p>
-          <a:p>
-            <a:pPr marL="342900" lvl="0" indent="-342900" algn="l" rtl="0">
-              <a:lnSpc>
-                <a:spcPct val="150000"/>
-              </a:lnSpc>
-              <a:spcBef>
-                <a:spcPts val="0"/>
-              </a:spcBef>
-              <a:spcAft>
-                <a:spcPts val="0"/>
-              </a:spcAft>
-            </a:pPr>
-            <a:r>
-              <a:rPr lang="en-US" altLang="en-GB">
-                <a:sym typeface="+mn-ea"/>
-              </a:rPr>
-              <a:t>Storing assets like PDFs, videos, or product images.</a:t>
-            </a:r>
             <a:endParaRPr lang="en-US" altLang="en-GB">
               <a:sym typeface="+mn-ea"/>
             </a:endParaRPr>
@@ -25667,6 +24689,132 @@
           </a:p>
         </p:txBody>
       </p:sp>
+      <p:sp>
+        <p:nvSpPr>
+          <p:cNvPr id="6" name="Rounded Rectangle 5"/>
+          <p:cNvSpPr/>
+          <p:nvPr/>
+        </p:nvSpPr>
+        <p:spPr>
+          <a:xfrm>
+            <a:off x="2372995" y="2940685"/>
+            <a:ext cx="6908800" cy="1068070"/>
+          </a:xfrm>
+          <a:prstGeom prst="roundRect">
+            <a:avLst/>
+          </a:prstGeom>
+          <a:solidFill>
+            <a:schemeClr val="bg2"/>
+          </a:solidFill>
+          <a:ln>
+            <a:solidFill>
+              <a:schemeClr val="bg2"/>
+            </a:solidFill>
+          </a:ln>
+        </p:spPr>
+        <p:style>
+          <a:lnRef idx="2">
+            <a:schemeClr val="accent1">
+              <a:lumMod val="75000"/>
+            </a:schemeClr>
+          </a:lnRef>
+          <a:fillRef idx="1">
+            <a:schemeClr val="accent1"/>
+          </a:fillRef>
+          <a:effectRef idx="0">
+            <a:srgbClr val="FFFFFF"/>
+          </a:effectRef>
+          <a:fontRef idx="minor">
+            <a:schemeClr val="lt1"/>
+          </a:fontRef>
+        </p:style>
+        <p:txBody>
+          <a:bodyPr rtlCol="0" anchor="ctr"/>
+          <a:p>
+            <a:pPr algn="l"/>
+            <a:r>
+              <a:rPr lang="en-US"/>
+              <a:t>let regex1 = /pattern/;  // Literal syntax</a:t>
+            </a:r>
+            <a:endParaRPr lang="en-US"/>
+          </a:p>
+          <a:p>
+            <a:pPr algn="l"/>
+            <a:r>
+              <a:rPr lang="en-US"/>
+              <a:t>let regex2 = new RegExp("pattern");  // Constructor syntax</a:t>
+            </a:r>
+            <a:endParaRPr lang="en-US"/>
+          </a:p>
+        </p:txBody>
+      </p:sp>
+      <p:sp>
+        <p:nvSpPr>
+          <p:cNvPr id="2" name="Rounded Rectangle 1"/>
+          <p:cNvSpPr/>
+          <p:nvPr/>
+        </p:nvSpPr>
+        <p:spPr>
+          <a:xfrm>
+            <a:off x="2372995" y="4787265"/>
+            <a:ext cx="6908800" cy="1068070"/>
+          </a:xfrm>
+          <a:prstGeom prst="roundRect">
+            <a:avLst/>
+          </a:prstGeom>
+          <a:solidFill>
+            <a:schemeClr val="bg2"/>
+          </a:solidFill>
+          <a:ln>
+            <a:solidFill>
+              <a:schemeClr val="bg2"/>
+            </a:solidFill>
+          </a:ln>
+        </p:spPr>
+        <p:style>
+          <a:lnRef idx="2">
+            <a:schemeClr val="accent1">
+              <a:lumMod val="75000"/>
+            </a:schemeClr>
+          </a:lnRef>
+          <a:fillRef idx="1">
+            <a:schemeClr val="accent1"/>
+          </a:fillRef>
+          <a:effectRef idx="0">
+            <a:srgbClr val="FFFFFF"/>
+          </a:effectRef>
+          <a:fontRef idx="minor">
+            <a:schemeClr val="lt1"/>
+          </a:fontRef>
+        </p:style>
+        <p:txBody>
+          <a:bodyPr rtlCol="0" anchor="ctr"/>
+          <a:p>
+            <a:pPr algn="l"/>
+            <a:r>
+              <a:rPr lang="en-US"/>
+              <a:t>let str = "Hello, World!";</a:t>
+            </a:r>
+            <a:endParaRPr lang="en-US"/>
+          </a:p>
+          <a:p>
+            <a:pPr algn="l"/>
+            <a:r>
+              <a:rPr lang="en-US"/>
+              <a:t>let regex = /world/i;</a:t>
+            </a:r>
+            <a:endParaRPr lang="en-US"/>
+          </a:p>
+          <a:p>
+            <a:pPr algn="l"/>
+            <a:r>
+              <a:rPr lang="en-US"/>
+              <a:t>console.log(regex.test(str));  // true</a:t>
+            </a:r>
+            <a:endParaRPr lang="en-US"/>
+          </a:p>
+        </p:txBody>
+      </p:sp>
     </p:spTree>
   </p:cSld>
   <p:clrMapOvr>
@@ -25680,7 +24828,7 @@
   <p:cSld>
     <p:spTree>
       <p:nvGrpSpPr>
-        <p:cNvPr id="168" name="Shape 168"/>
+        <p:cNvPr id="160" name="Shape 160"/>
         <p:cNvGrpSpPr/>
         <p:nvPr/>
       </p:nvGrpSpPr>
@@ -25694,14 +24842,14 @@
       </p:grpSpPr>
       <p:sp>
         <p:nvSpPr>
-          <p:cNvPr id="169" name="Google Shape;169;p22"/>
+          <p:cNvPr id="161" name="Google Shape;161;p21"/>
           <p:cNvSpPr/>
           <p:nvPr/>
         </p:nvSpPr>
         <p:spPr>
           <a:xfrm>
-            <a:off x="1110375" y="1307738"/>
-            <a:ext cx="1262400" cy="1262400"/>
+            <a:off x="5136038" y="1103532"/>
+            <a:ext cx="2010900" cy="2010600"/>
           </a:xfrm>
           <a:prstGeom prst="ellipse">
             <a:avLst/>
@@ -25758,7 +24906,7 @@
       </p:sp>
       <p:sp>
         <p:nvSpPr>
-          <p:cNvPr id="136" name="Google Shape;136;p19"/>
+          <p:cNvPr id="117" name="Google Shape;117;p17"/>
           <p:cNvSpPr/>
           <p:nvPr>
             <p:custDataLst>
@@ -25768,8 +24916,8 @@
         </p:nvSpPr>
         <p:spPr>
           <a:xfrm>
-            <a:off x="1110585" y="1307323"/>
-            <a:ext cx="1262400" cy="1262400"/>
+            <a:off x="5135880" y="1103630"/>
+            <a:ext cx="2010410" cy="2010410"/>
           </a:xfrm>
           <a:prstGeom prst="ellipse">
             <a:avLst/>
@@ -25777,21 +24925,31 @@
           <a:gradFill>
             <a:gsLst>
               <a:gs pos="0">
-                <a:srgbClr val="30C088"/>
+                <a:schemeClr val="accent1">
+                  <a:lumMod val="5000"/>
+                  <a:lumOff val="95000"/>
+                </a:schemeClr>
               </a:gs>
-              <a:gs pos="52999">
+              <a:gs pos="74000">
                 <a:srgbClr val="3FCF99"/>
               </a:gs>
+              <a:gs pos="83000">
+                <a:schemeClr val="accent1">
+                  <a:lumMod val="45000"/>
+                  <a:lumOff val="55000"/>
+                </a:schemeClr>
+              </a:gs>
               <a:gs pos="100000">
-                <a:srgbClr val="FFFFFF">
-                  <a:alpha val="1960"/>
-                </a:srgbClr>
+                <a:schemeClr val="accent1">
+                  <a:lumMod val="30000"/>
+                  <a:lumOff val="70000"/>
+                </a:schemeClr>
               </a:gs>
             </a:gsLst>
             <a:path path="circle">
-              <a:fillToRect l="50000" t="50000" r="50000" b="50000"/>
+              <a:fillToRect r="100000" b="100000"/>
             </a:path>
-            <a:tileRect/>
+            <a:tileRect l="-100000" t="-100000"/>
           </a:gradFill>
           <a:ln>
             <a:noFill/>
@@ -25802,10 +24960,7 @@
             <a:noAutofit/>
           </a:bodyPr>
           <a:p>
-            <a:pPr marL="0" marR="0" lvl="0" indent="0" algn="ctr" rtl="0">
-              <a:lnSpc>
-                <a:spcPct val="100000"/>
-              </a:lnSpc>
+            <a:pPr marL="0" lvl="0" indent="0" algn="ctr" rtl="0">
               <a:spcBef>
                 <a:spcPts val="0"/>
               </a:spcBef>
@@ -25815,6 +24970,14 @@
               <a:buNone/>
             </a:pPr>
             <a:endParaRPr>
+              <a:effectLst>
+                <a:glow rad="228600">
+                  <a:schemeClr val="accent4">
+                    <a:satMod val="175000"/>
+                    <a:alpha val="40000"/>
+                  </a:schemeClr>
+                </a:glow>
+              </a:effectLst>
               <a:latin typeface="Antic Slab"/>
               <a:ea typeface="Antic Slab"/>
               <a:cs typeface="Antic Slab"/>
@@ -25825,7 +24988,43 @@
       </p:sp>
       <p:sp>
         <p:nvSpPr>
-          <p:cNvPr id="170" name="Google Shape;170;p22"/>
+          <p:cNvPr id="162" name="Google Shape;162;p21"/>
+          <p:cNvSpPr txBox="1"/>
+          <p:nvPr>
+            <p:ph type="body" idx="1"/>
+          </p:nvPr>
+        </p:nvSpPr>
+        <p:spPr>
+          <a:xfrm>
+            <a:off x="589400" y="4909215"/>
+            <a:ext cx="11104200" cy="763500"/>
+          </a:xfrm>
+          <a:prstGeom prst="rect">
+            <a:avLst/>
+          </a:prstGeom>
+        </p:spPr>
+        <p:txBody>
+          <a:bodyPr spcFirstLastPara="1" wrap="square" lIns="121900" tIns="121900" rIns="121900" bIns="121900" anchor="t" anchorCtr="0">
+            <a:noAutofit/>
+          </a:bodyPr>
+          <a:lstStyle/>
+          <a:p>
+            <a:pPr marL="0" lvl="0" indent="0" algn="ctr" rtl="0">
+              <a:spcBef>
+                <a:spcPts val="0"/>
+              </a:spcBef>
+              <a:spcAft>
+                <a:spcPts val="0"/>
+              </a:spcAft>
+              <a:buNone/>
+            </a:pPr>
+            <a:endParaRPr lang="en-US" altLang="en-GB"/>
+          </a:p>
+        </p:txBody>
+      </p:sp>
+      <p:sp>
+        <p:nvSpPr>
+          <p:cNvPr id="163" name="Google Shape;163;p21"/>
           <p:cNvSpPr txBox="1"/>
           <p:nvPr>
             <p:ph type="title"/>
@@ -25833,8 +25032,8 @@
         </p:nvSpPr>
         <p:spPr>
           <a:xfrm>
-            <a:off x="1401625" y="1741250"/>
-            <a:ext cx="8284500" cy="763500"/>
+            <a:off x="589400" y="3373900"/>
+            <a:ext cx="11104200" cy="1275600"/>
           </a:xfrm>
           <a:prstGeom prst="rect">
             <a:avLst/>
@@ -25846,7 +25045,7 @@
           </a:bodyPr>
           <a:lstStyle/>
           <a:p>
-            <a:pPr marL="0" lvl="0" indent="0" algn="l" rtl="0">
+            <a:pPr marL="0" lvl="0" indent="0" algn="ctr" rtl="0">
               <a:spcBef>
                 <a:spcPts val="0"/>
               </a:spcBef>
@@ -25856,87 +25055,87 @@
               <a:buNone/>
             </a:pPr>
             <a:r>
-              <a:rPr>
+              <a:rPr lang="en-US" altLang="en-GB">
                 <a:sym typeface="+mn-ea"/>
               </a:rPr>
-              <a:t>How Supabase Storage Works</a:t>
+              <a:t>Basic Components of Regex</a:t>
             </a:r>
             <a:r>
-              <a:rPr lang="en-US">
-                <a:sym typeface="+mn-ea"/>
-              </a:rPr>
-              <a:t>?</a:t>
+              <a:rPr lang="en-GB"/>
+              <a:t>.</a:t>
             </a:r>
-            <a:endParaRPr lang="en-US">
-              <a:sym typeface="+mn-ea"/>
-            </a:endParaRPr>
+            <a:endParaRPr lang="en-GB"/>
           </a:p>
         </p:txBody>
       </p:sp>
       <p:sp>
         <p:nvSpPr>
-          <p:cNvPr id="171" name="Google Shape;171;p22"/>
-          <p:cNvSpPr txBox="1"/>
-          <p:nvPr>
-            <p:ph type="body" idx="1"/>
-          </p:nvPr>
+          <p:cNvPr id="164" name="Google Shape;164;p21"/>
+          <p:cNvSpPr/>
+          <p:nvPr/>
         </p:nvSpPr>
         <p:spPr>
           <a:xfrm>
-            <a:off x="1401625" y="2789650"/>
-            <a:ext cx="8284500" cy="2491800"/>
+            <a:off x="5045062" y="1393201"/>
+            <a:ext cx="1751077" cy="1275639"/>
           </a:xfrm>
           <a:prstGeom prst="rect">
             <a:avLst/>
           </a:prstGeom>
         </p:spPr>
         <p:txBody>
-          <a:bodyPr spcFirstLastPara="1" wrap="square" lIns="121900" tIns="121900" rIns="121900" bIns="121900" anchor="t" anchorCtr="0">
-            <a:noAutofit/>
+          <a:bodyPr>
+            <a:prstTxWarp prst="textPlain">
+              <a:avLst/>
+            </a:prstTxWarp>
           </a:bodyPr>
           <a:lstStyle/>
           <a:p>
-            <a:pPr marL="342900" lvl="0" indent="-342900" algn="l" rtl="0">
-              <a:lnSpc>
-                <a:spcPct val="150000"/>
-              </a:lnSpc>
-              <a:spcBef>
-                <a:spcPts val="0"/>
-              </a:spcBef>
-              <a:spcAft>
-                <a:spcPts val="0"/>
-              </a:spcAft>
-            </a:pPr>
+            <a:pPr lvl="0" algn="ctr"/>
             <a:r>
-              <a:rPr lang="en-US" altLang="en-GB">
-                <a:sym typeface="+mn-ea"/>
+              <a:rPr b="1" i="0">
+                <a:ln w="28575" cap="flat" cmpd="sng">
+                  <a:solidFill>
+                    <a:schemeClr val="dk1"/>
+                  </a:solidFill>
+                  <a:prstDash val="solid"/>
+                  <a:round/>
+                  <a:headEnd type="none" w="sm" len="sm"/>
+                  <a:tailEnd type="none" w="sm" len="sm"/>
+                </a:ln>
+                <a:noFill/>
+                <a:latin typeface="Calistoga"/>
               </a:rPr>
-              <a:t>Files are organized into buckets, and each bucket can have its own set of rules and permissions.</a:t>
+              <a:t>0</a:t>
             </a:r>
-            <a:endParaRPr lang="en-US" altLang="en-GB">
-              <a:sym typeface="+mn-ea"/>
-            </a:endParaRPr>
-          </a:p>
-          <a:p>
-            <a:pPr marL="342900" lvl="0" indent="-342900" algn="l" rtl="0">
-              <a:lnSpc>
-                <a:spcPct val="150000"/>
-              </a:lnSpc>
-              <a:spcBef>
-                <a:spcPts val="0"/>
-              </a:spcBef>
-              <a:spcAft>
-                <a:spcPts val="0"/>
-              </a:spcAft>
-            </a:pPr>
             <a:r>
-              <a:rPr lang="en-US" altLang="en-GB">
-                <a:sym typeface="+mn-ea"/>
+              <a:rPr lang="en-US" b="1" i="0">
+                <a:ln w="28575" cap="flat" cmpd="sng">
+                  <a:solidFill>
+                    <a:schemeClr val="dk1"/>
+                  </a:solidFill>
+                  <a:prstDash val="solid"/>
+                  <a:round/>
+                  <a:headEnd type="none" w="sm" len="sm"/>
+                  <a:tailEnd type="none" w="sm" len="sm"/>
+                </a:ln>
+                <a:noFill/>
+                <a:latin typeface="Calistoga"/>
               </a:rPr>
-              <a:t>Files can be public (accessible by anyone) or private (restricted access).</a:t>
+              <a:t>2</a:t>
             </a:r>
-            <a:endParaRPr lang="en-US" altLang="en-GB">
-              <a:sym typeface="+mn-ea"/>
+            <a:endParaRPr lang="en-US" b="1" i="0">
+              <a:ln w="28575" cap="flat" cmpd="sng">
+                <a:solidFill>
+                  <a:schemeClr val="dk1"/>
+                </a:solidFill>
+                <a:prstDash val="solid"/>
+                <a:round/>
+                <a:headEnd type="none" w="sm" len="sm"/>
+                <a:tailEnd type="none" w="sm" len="sm"/>
+              </a:ln>
+              <a:noFill/>
+              <a:latin typeface="Calistoga"/>
             </a:endParaRPr>
           </a:p>
         </p:txBody>
@@ -26302,55 +25501,7 @@
 </p:tagLst>
 </file>
 
-<file path=ppt/tags/tag56.xml><?xml version="1.0" encoding="utf-8"?>
-<p:tagLst xmlns:p="http://schemas.openxmlformats.org/presentationml/2006/main">
-  <p:tag name="KSO_WM_BEAUTIFY_FLAG" val=""/>
-</p:tagLst>
-</file>
-
-<file path=ppt/tags/tag57.xml><?xml version="1.0" encoding="utf-8"?>
-<p:tagLst xmlns:p="http://schemas.openxmlformats.org/presentationml/2006/main">
-  <p:tag name="KSO_WM_BEAUTIFY_FLAG" val=""/>
-</p:tagLst>
-</file>
-
-<file path=ppt/tags/tag58.xml><?xml version="1.0" encoding="utf-8"?>
-<p:tagLst xmlns:p="http://schemas.openxmlformats.org/presentationml/2006/main">
-  <p:tag name="KSO_WM_BEAUTIFY_FLAG" val=""/>
-</p:tagLst>
-</file>
-
-<file path=ppt/tags/tag59.xml><?xml version="1.0" encoding="utf-8"?>
-<p:tagLst xmlns:p="http://schemas.openxmlformats.org/presentationml/2006/main">
-  <p:tag name="KSO_WM_BEAUTIFY_FLAG" val=""/>
-</p:tagLst>
-</file>
-
 <file path=ppt/tags/tag6.xml><?xml version="1.0" encoding="utf-8"?>
-<p:tagLst xmlns:p="http://schemas.openxmlformats.org/presentationml/2006/main">
-  <p:tag name="KSO_WM_BEAUTIFY_FLAG" val=""/>
-</p:tagLst>
-</file>
-
-<file path=ppt/tags/tag60.xml><?xml version="1.0" encoding="utf-8"?>
-<p:tagLst xmlns:p="http://schemas.openxmlformats.org/presentationml/2006/main">
-  <p:tag name="KSO_WM_BEAUTIFY_FLAG" val=""/>
-</p:tagLst>
-</file>
-
-<file path=ppt/tags/tag61.xml><?xml version="1.0" encoding="utf-8"?>
-<p:tagLst xmlns:p="http://schemas.openxmlformats.org/presentationml/2006/main">
-  <p:tag name="KSO_WM_BEAUTIFY_FLAG" val=""/>
-</p:tagLst>
-</file>
-
-<file path=ppt/tags/tag62.xml><?xml version="1.0" encoding="utf-8"?>
-<p:tagLst xmlns:p="http://schemas.openxmlformats.org/presentationml/2006/main">
-  <p:tag name="KSO_WM_BEAUTIFY_FLAG" val=""/>
-</p:tagLst>
-</file>
-
-<file path=ppt/tags/tag63.xml><?xml version="1.0" encoding="utf-8"?>
 <p:tagLst xmlns:p="http://schemas.openxmlformats.org/presentationml/2006/main">
   <p:tag name="KSO_WM_BEAUTIFY_FLAG" val=""/>
 </p:tagLst>

--- a/Mastering Supabase Session7.pptx
+++ b/Mastering Supabase Session7.pptx
@@ -48,18 +48,13 @@
       <p:regular r:id="rId35"/>
     </p:embeddedFont>
     <p:embeddedFont>
-      <p:font typeface="Poppins" panose="00000400000000000000"/>
-      <p:regular r:id="rId36"/>
-      <p:italic r:id="rId37"/>
-      <p:boldItalic r:id="rId38"/>
+      <p:font typeface="Poppins" panose="00000500000000000000"/>
+      <p:italic r:id="rId36"/>
+      <p:boldItalic r:id="rId37"/>
     </p:embeddedFont>
     <p:embeddedFont>
       <p:font typeface="Homemade Apple" panose="02000000000000000000"/>
-      <p:regular r:id="rId39"/>
-    </p:embeddedFont>
-    <p:embeddedFont>
-      <p:font typeface="Aldhabi" panose="01000000000000000000" charset="0"/>
-      <p:regular r:id="rId40"/>
+      <p:regular r:id="rId38"/>
     </p:embeddedFont>
   </p:embeddedFontLst>
   <p:defaultTextStyle>
@@ -294,12 +289,12 @@
   <p:extLst>
     <p:ext uri="{EFAFB233-063F-42B5-8137-9DF3F51BA10A}">
       <p15:sldGuideLst xmlns:p15="http://schemas.microsoft.com/office/powerpoint/2012/main">
-        <p15:guide id="1" orient="horz" pos="2125" userDrawn="1">
+        <p15:guide id="1" orient="horz" pos="2144" userDrawn="1">
           <p15:clr>
             <a:srgbClr val="A4A3A4"/>
           </p15:clr>
         </p15:guide>
-        <p15:guide id="2" pos="3868" userDrawn="1">
+        <p15:guide id="2" pos="3840" userDrawn="1">
           <p15:clr>
             <a:srgbClr val="A4A3A4"/>
           </p15:clr>
@@ -6527,10 +6522,10 @@
                   <a:solidFill>
                     <a:srgbClr val="3F3F3F"/>
                   </a:solidFill>
-                  <a:latin typeface="Poppins" panose="00000400000000000000"/>
-                  <a:ea typeface="Poppins" panose="00000400000000000000"/>
-                  <a:cs typeface="Poppins" panose="00000400000000000000"/>
-                  <a:sym typeface="Poppins" panose="00000400000000000000"/>
+                  <a:latin typeface="Poppins" panose="00000500000000000000"/>
+                  <a:ea typeface="Poppins" panose="00000500000000000000"/>
+                  <a:cs typeface="Poppins" panose="00000500000000000000"/>
+                  <a:sym typeface="Poppins" panose="00000500000000000000"/>
                 </a:rPr>
                 <a:t>Free </a:t>
               </a:r>
@@ -6539,10 +6534,10 @@
                   <a:solidFill>
                     <a:srgbClr val="3F3F3F"/>
                   </a:solidFill>
-                  <a:latin typeface="Poppins" panose="00000400000000000000"/>
-                  <a:ea typeface="Poppins" panose="00000400000000000000"/>
-                  <a:cs typeface="Poppins" panose="00000400000000000000"/>
-                  <a:sym typeface="Poppins" panose="00000400000000000000"/>
+                  <a:latin typeface="Poppins" panose="00000500000000000000"/>
+                  <a:ea typeface="Poppins" panose="00000500000000000000"/>
+                  <a:cs typeface="Poppins" panose="00000500000000000000"/>
+                  <a:sym typeface="Poppins" panose="00000500000000000000"/>
                 </a:rPr>
                 <a:t>themes and templates for </a:t>
               </a:r>
@@ -6551,10 +6546,10 @@
                   <a:solidFill>
                     <a:srgbClr val="3F3F3F"/>
                   </a:solidFill>
-                  <a:latin typeface="Poppins" panose="00000400000000000000"/>
-                  <a:ea typeface="Poppins" panose="00000400000000000000"/>
-                  <a:cs typeface="Poppins" panose="00000400000000000000"/>
-                  <a:sym typeface="Poppins" panose="00000400000000000000"/>
+                  <a:latin typeface="Poppins" panose="00000500000000000000"/>
+                  <a:ea typeface="Poppins" panose="00000500000000000000"/>
+                  <a:cs typeface="Poppins" panose="00000500000000000000"/>
+                  <a:sym typeface="Poppins" panose="00000500000000000000"/>
                 </a:rPr>
                 <a:t>Google Slides</a:t>
               </a:r>
@@ -6563,10 +6558,10 @@
                   <a:solidFill>
                     <a:srgbClr val="3F3F3F"/>
                   </a:solidFill>
-                  <a:latin typeface="Poppins" panose="00000400000000000000"/>
-                  <a:ea typeface="Poppins" panose="00000400000000000000"/>
-                  <a:cs typeface="Poppins" panose="00000400000000000000"/>
-                  <a:sym typeface="Poppins" panose="00000400000000000000"/>
+                  <a:latin typeface="Poppins" panose="00000500000000000000"/>
+                  <a:ea typeface="Poppins" panose="00000500000000000000"/>
+                  <a:cs typeface="Poppins" panose="00000500000000000000"/>
+                  <a:sym typeface="Poppins" panose="00000500000000000000"/>
                 </a:rPr>
                 <a:t> or </a:t>
               </a:r>
@@ -6575,10 +6570,10 @@
                   <a:solidFill>
                     <a:srgbClr val="3F3F3F"/>
                   </a:solidFill>
-                  <a:latin typeface="Poppins" panose="00000400000000000000"/>
-                  <a:ea typeface="Poppins" panose="00000400000000000000"/>
-                  <a:cs typeface="Poppins" panose="00000400000000000000"/>
-                  <a:sym typeface="Poppins" panose="00000400000000000000"/>
+                  <a:latin typeface="Poppins" panose="00000500000000000000"/>
+                  <a:ea typeface="Poppins" panose="00000500000000000000"/>
+                  <a:cs typeface="Poppins" panose="00000500000000000000"/>
+                  <a:sym typeface="Poppins" panose="00000500000000000000"/>
                 </a:rPr>
                 <a:t>PowerPoint</a:t>
               </a:r>
@@ -6586,10 +6581,10 @@
                 <a:solidFill>
                   <a:srgbClr val="3F3F3F"/>
                 </a:solidFill>
-                <a:latin typeface="Poppins" panose="00000400000000000000"/>
-                <a:ea typeface="Poppins" panose="00000400000000000000"/>
-                <a:cs typeface="Poppins" panose="00000400000000000000"/>
-                <a:sym typeface="Poppins" panose="00000400000000000000"/>
+                <a:latin typeface="Poppins" panose="00000500000000000000"/>
+                <a:ea typeface="Poppins" panose="00000500000000000000"/>
+                <a:cs typeface="Poppins" panose="00000500000000000000"/>
+                <a:sym typeface="Poppins" panose="00000500000000000000"/>
               </a:endParaRPr>
             </a:p>
             <a:p>
@@ -6606,10 +6601,10 @@
                 <a:solidFill>
                   <a:srgbClr val="3F3F3F"/>
                 </a:solidFill>
-                <a:latin typeface="Poppins" panose="00000400000000000000"/>
-                <a:ea typeface="Poppins" panose="00000400000000000000"/>
-                <a:cs typeface="Poppins" panose="00000400000000000000"/>
-                <a:sym typeface="Poppins" panose="00000400000000000000"/>
+                <a:latin typeface="Poppins" panose="00000500000000000000"/>
+                <a:ea typeface="Poppins" panose="00000500000000000000"/>
+                <a:cs typeface="Poppins" panose="00000500000000000000"/>
+                <a:sym typeface="Poppins" panose="00000500000000000000"/>
               </a:endParaRPr>
             </a:p>
             <a:p>
@@ -6626,10 +6621,10 @@
                 <a:solidFill>
                   <a:srgbClr val="3F3F3F"/>
                 </a:solidFill>
-                <a:latin typeface="Poppins" panose="00000400000000000000"/>
-                <a:ea typeface="Poppins" panose="00000400000000000000"/>
-                <a:cs typeface="Poppins" panose="00000400000000000000"/>
-                <a:sym typeface="Poppins" panose="00000400000000000000"/>
+                <a:latin typeface="Poppins" panose="00000500000000000000"/>
+                <a:ea typeface="Poppins" panose="00000500000000000000"/>
+                <a:cs typeface="Poppins" panose="00000500000000000000"/>
+                <a:sym typeface="Poppins" panose="00000500000000000000"/>
               </a:endParaRPr>
             </a:p>
             <a:p>
@@ -6647,10 +6642,10 @@
                   <a:solidFill>
                     <a:srgbClr val="FFCB25"/>
                   </a:solidFill>
-                  <a:latin typeface="Poppins" panose="00000400000000000000"/>
-                  <a:ea typeface="Poppins" panose="00000400000000000000"/>
-                  <a:cs typeface="Poppins" panose="00000400000000000000"/>
-                  <a:sym typeface="Poppins" panose="00000400000000000000"/>
+                  <a:latin typeface="Poppins" panose="00000500000000000000"/>
+                  <a:ea typeface="Poppins" panose="00000500000000000000"/>
+                  <a:cs typeface="Poppins" panose="00000500000000000000"/>
+                  <a:sym typeface="Poppins" panose="00000500000000000000"/>
                 </a:rPr>
                 <a:t>NOT to be sold as is or modified!</a:t>
               </a:r>
@@ -6658,10 +6653,10 @@
                 <a:solidFill>
                   <a:srgbClr val="FFCB25"/>
                 </a:solidFill>
-                <a:latin typeface="Poppins" panose="00000400000000000000"/>
-                <a:ea typeface="Poppins" panose="00000400000000000000"/>
-                <a:cs typeface="Poppins" panose="00000400000000000000"/>
-                <a:sym typeface="Poppins" panose="00000400000000000000"/>
+                <a:latin typeface="Poppins" panose="00000500000000000000"/>
+                <a:ea typeface="Poppins" panose="00000500000000000000"/>
+                <a:cs typeface="Poppins" panose="00000500000000000000"/>
+                <a:sym typeface="Poppins" panose="00000500000000000000"/>
               </a:endParaRPr>
             </a:p>
             <a:p>
@@ -6679,10 +6674,10 @@
                   <a:solidFill>
                     <a:srgbClr val="3F3F3F"/>
                   </a:solidFill>
-                  <a:latin typeface="Poppins" panose="00000400000000000000"/>
-                  <a:ea typeface="Poppins" panose="00000400000000000000"/>
-                  <a:cs typeface="Poppins" panose="00000400000000000000"/>
-                  <a:sym typeface="Poppins" panose="00000400000000000000"/>
+                  <a:latin typeface="Poppins" panose="00000500000000000000"/>
+                  <a:ea typeface="Poppins" panose="00000500000000000000"/>
+                  <a:cs typeface="Poppins" panose="00000500000000000000"/>
+                  <a:sym typeface="Poppins" panose="00000500000000000000"/>
                 </a:rPr>
                 <a:t>Read </a:t>
               </a:r>
@@ -6691,10 +6686,10 @@
                   <a:solidFill>
                     <a:srgbClr val="3F3F3F"/>
                   </a:solidFill>
-                  <a:latin typeface="Poppins" panose="00000400000000000000"/>
-                  <a:ea typeface="Poppins" panose="00000400000000000000"/>
-                  <a:cs typeface="Poppins" panose="00000400000000000000"/>
-                  <a:sym typeface="Poppins" panose="00000400000000000000"/>
+                  <a:latin typeface="Poppins" panose="00000500000000000000"/>
+                  <a:ea typeface="Poppins" panose="00000500000000000000"/>
+                  <a:cs typeface="Poppins" panose="00000500000000000000"/>
+                  <a:sym typeface="Poppins" panose="00000500000000000000"/>
                   <a:hlinkClick r:id="rId2"/>
                 </a:rPr>
                 <a:t>FAQ</a:t>
@@ -6704,10 +6699,10 @@
                   <a:solidFill>
                     <a:srgbClr val="FFCB25"/>
                   </a:solidFill>
-                  <a:latin typeface="Poppins" panose="00000400000000000000"/>
-                  <a:ea typeface="Poppins" panose="00000400000000000000"/>
-                  <a:cs typeface="Poppins" panose="00000400000000000000"/>
-                  <a:sym typeface="Poppins" panose="00000400000000000000"/>
+                  <a:latin typeface="Poppins" panose="00000500000000000000"/>
+                  <a:ea typeface="Poppins" panose="00000500000000000000"/>
+                  <a:cs typeface="Poppins" panose="00000500000000000000"/>
+                  <a:sym typeface="Poppins" panose="00000500000000000000"/>
                 </a:rPr>
                 <a:t> </a:t>
               </a:r>
@@ -6716,10 +6711,10 @@
                   <a:solidFill>
                     <a:srgbClr val="3F3F3F"/>
                   </a:solidFill>
-                  <a:latin typeface="Poppins" panose="00000400000000000000"/>
-                  <a:ea typeface="Poppins" panose="00000400000000000000"/>
-                  <a:cs typeface="Poppins" panose="00000400000000000000"/>
-                  <a:sym typeface="Poppins" panose="00000400000000000000"/>
+                  <a:latin typeface="Poppins" panose="00000500000000000000"/>
+                  <a:ea typeface="Poppins" panose="00000500000000000000"/>
+                  <a:cs typeface="Poppins" panose="00000500000000000000"/>
+                  <a:sym typeface="Poppins" panose="00000500000000000000"/>
                 </a:rPr>
                 <a:t>on slidesmania.com</a:t>
               </a:r>
@@ -6727,10 +6722,10 @@
                 <a:solidFill>
                   <a:srgbClr val="3F3F3F"/>
                 </a:solidFill>
-                <a:latin typeface="Poppins" panose="00000400000000000000"/>
-                <a:ea typeface="Poppins" panose="00000400000000000000"/>
-                <a:cs typeface="Poppins" panose="00000400000000000000"/>
-                <a:sym typeface="Poppins" panose="00000400000000000000"/>
+                <a:latin typeface="Poppins" panose="00000500000000000000"/>
+                <a:ea typeface="Poppins" panose="00000500000000000000"/>
+                <a:cs typeface="Poppins" panose="00000500000000000000"/>
+                <a:sym typeface="Poppins" panose="00000500000000000000"/>
               </a:endParaRPr>
             </a:p>
             <a:p>
@@ -6748,10 +6743,10 @@
                   <a:solidFill>
                     <a:srgbClr val="3F3F3F"/>
                   </a:solidFill>
-                  <a:latin typeface="Poppins" panose="00000400000000000000"/>
-                  <a:ea typeface="Poppins" panose="00000400000000000000"/>
-                  <a:cs typeface="Poppins" panose="00000400000000000000"/>
-                  <a:sym typeface="Poppins" panose="00000400000000000000"/>
+                  <a:latin typeface="Poppins" panose="00000500000000000000"/>
+                  <a:ea typeface="Poppins" panose="00000500000000000000"/>
+                  <a:cs typeface="Poppins" panose="00000500000000000000"/>
+                  <a:sym typeface="Poppins" panose="00000500000000000000"/>
                 </a:rPr>
                 <a:t>Do not remove the slidesmania.com text on the sides.</a:t>
               </a:r>
@@ -6759,10 +6754,10 @@
                 <a:solidFill>
                   <a:srgbClr val="3F3F3F"/>
                 </a:solidFill>
-                <a:latin typeface="Poppins" panose="00000400000000000000"/>
-                <a:ea typeface="Poppins" panose="00000400000000000000"/>
-                <a:cs typeface="Poppins" panose="00000400000000000000"/>
-                <a:sym typeface="Poppins" panose="00000400000000000000"/>
+                <a:latin typeface="Poppins" panose="00000500000000000000"/>
+                <a:ea typeface="Poppins" panose="00000500000000000000"/>
+                <a:cs typeface="Poppins" panose="00000500000000000000"/>
+                <a:sym typeface="Poppins" panose="00000500000000000000"/>
               </a:endParaRPr>
             </a:p>
           </p:txBody>
@@ -17260,6 +17255,42 @@
               </a:spcAft>
               <a:buNone/>
             </a:pPr>
+            <a:r>
+              <a:rPr lang="en-US" altLang="en-GB">
+                <a:sym typeface="+mn-ea"/>
+              </a:rPr>
+              <a:t>Let’s Start with </a:t>
+            </a:r>
+            <a:endParaRPr lang="en-US" altLang="en-GB"/>
+          </a:p>
+          <a:p>
+            <a:pPr marL="0" lvl="0" indent="0" algn="ctr" rtl="0">
+              <a:spcBef>
+                <a:spcPts val="0"/>
+              </a:spcBef>
+              <a:spcAft>
+                <a:spcPts val="0"/>
+              </a:spcAft>
+              <a:buNone/>
+            </a:pPr>
+            <a:r>
+              <a:rPr lang="en-US">
+                <a:sym typeface="+mn-ea"/>
+              </a:rPr>
+              <a:t>Capturing Groups</a:t>
+            </a:r>
+            <a:endParaRPr lang="en-US" altLang="en-US"/>
+          </a:p>
+          <a:p>
+            <a:pPr marL="0" lvl="0" indent="0" algn="ctr" rtl="0">
+              <a:spcBef>
+                <a:spcPts val="0"/>
+              </a:spcBef>
+              <a:spcAft>
+                <a:spcPts val="0"/>
+              </a:spcAft>
+              <a:buNone/>
+            </a:pPr>
             <a:endParaRPr lang="en-US" altLang="en-GB"/>
           </a:p>
         </p:txBody>
@@ -19518,7 +19549,7 @@
           <a:p>
             <a:pPr lvl="0" algn="ctr"/>
             <a:r>
-              <a:rPr b="1" i="0">
+              <a:rPr b="1">
                 <a:ln w="28575" cap="flat" cmpd="sng">
                   <a:solidFill>
                     <a:schemeClr val="dk1"/>
@@ -19530,11 +19561,12 @@
                 </a:ln>
                 <a:noFill/>
                 <a:latin typeface="Calistoga"/>
+                <a:sym typeface="+mn-ea"/>
               </a:rPr>
               <a:t>0</a:t>
             </a:r>
             <a:r>
-              <a:rPr lang="ar-EG" b="1" i="0">
+              <a:rPr lang="en-US" b="1">
                 <a:ln w="28575" cap="flat" cmpd="sng">
                   <a:solidFill>
                     <a:schemeClr val="dk1"/>
@@ -19546,6 +19578,7 @@
                 </a:ln>
                 <a:noFill/>
                 <a:latin typeface="Calistoga"/>
+                <a:sym typeface="+mn-ea"/>
               </a:rPr>
               <a:t>4</a:t>
             </a:r>
@@ -22640,6 +22673,27 @@
               </a:spcAft>
               <a:buNone/>
             </a:pPr>
+            <a:r>
+              <a:rPr lang="en-US" altLang="en-GB">
+                <a:sym typeface="+mn-ea"/>
+              </a:rPr>
+              <a:t>Anchors, Character Classes, </a:t>
+            </a:r>
+            <a:r>
+              <a:rPr lang="en-US">
+                <a:sym typeface="+mn-ea"/>
+              </a:rPr>
+              <a:t>Quantifiers</a:t>
+            </a:r>
+            <a:r>
+              <a:rPr lang="en-US" altLang="en-US">
+                <a:sym typeface="+mn-ea"/>
+              </a:rPr>
+              <a:t>.</a:t>
+            </a:r>
+            <a:endParaRPr lang="en-US" altLang="en-US">
+              <a:sym typeface="+mn-ea"/>
+            </a:endParaRPr>
           </a:p>
         </p:txBody>
       </p:sp>
@@ -22911,6 +22965,21 @@
               </a:spcAft>
               <a:buNone/>
             </a:pPr>
+            <a:r>
+              <a:rPr lang="en-US">
+                <a:sym typeface="+mn-ea"/>
+              </a:rPr>
+              <a:t>Capturing Groups, Backreferences, Alternation, Looks</a:t>
+            </a:r>
+            <a:r>
+              <a:rPr lang="en-US">
+                <a:sym typeface="+mn-ea"/>
+              </a:rPr>
+              <a:t>.</a:t>
+            </a:r>
+            <a:endParaRPr lang="en-US">
+              <a:sym typeface="+mn-ea"/>
+            </a:endParaRPr>
           </a:p>
         </p:txBody>
       </p:sp>
@@ -22947,8 +23016,10 @@
               <a:buNone/>
             </a:pPr>
             <a:r>
-              <a:rPr lang="en-US" altLang="en-GB" sz="2000"/>
-              <a:t>Advanced Practices and Wrapping Up</a:t>
+              <a:rPr lang="en-US" altLang="en-GB" sz="2000">
+                <a:sym typeface="+mn-ea"/>
+              </a:rPr>
+              <a:t>Capturing Groups and Alternation</a:t>
             </a:r>
             <a:endParaRPr lang="en-US" altLang="en-GB" sz="2000"/>
           </a:p>
@@ -25008,6 +25079,42 @@
             <a:noAutofit/>
           </a:bodyPr>
           <a:lstStyle/>
+          <a:p>
+            <a:pPr marL="0" lvl="0" indent="0" algn="ctr" rtl="0">
+              <a:spcBef>
+                <a:spcPts val="0"/>
+              </a:spcBef>
+              <a:spcAft>
+                <a:spcPts val="0"/>
+              </a:spcAft>
+              <a:buNone/>
+            </a:pPr>
+            <a:r>
+              <a:rPr lang="en-US" altLang="en-GB">
+                <a:sym typeface="+mn-ea"/>
+              </a:rPr>
+              <a:t>Let’s Start with </a:t>
+            </a:r>
+            <a:endParaRPr lang="en-US" altLang="en-GB"/>
+          </a:p>
+          <a:p>
+            <a:pPr marL="0" lvl="0" indent="0" algn="ctr" rtl="0">
+              <a:spcBef>
+                <a:spcPts val="0"/>
+              </a:spcBef>
+              <a:spcAft>
+                <a:spcPts val="0"/>
+              </a:spcAft>
+              <a:buNone/>
+            </a:pPr>
+            <a:r>
+              <a:rPr lang="en-US" altLang="en-GB">
+                <a:sym typeface="+mn-ea"/>
+              </a:rPr>
+              <a:t>Anchors</a:t>
+            </a:r>
+            <a:endParaRPr lang="en-US" altLang="en-US"/>
+          </a:p>
           <a:p>
             <a:pPr marL="0" lvl="0" indent="0" algn="ctr" rtl="0">
               <a:spcBef>
